--- a/フリーテーマ.pptx
+++ b/フリーテーマ.pptx
@@ -5,9 +5,7 @@
     <p:sldMasterId id="2147483660" r:id="rId1"/>
   </p:sldMasterIdLst>
   <p:sldIdLst>
-    <p:sldId id="256" r:id="rId2"/>
-    <p:sldId id="257" r:id="rId3"/>
-    <p:sldId id="258" r:id="rId4"/>
+    <p:sldId id="258" r:id="rId2"/>
   </p:sldIdLst>
   <p:sldSz cx="12192000" cy="6858000"/>
   <p:notesSz cx="6858000" cy="9144000"/>
@@ -106,7 +104,2640 @@
       </a:defRPr>
     </a:lvl9pPr>
   </p:defaultTextStyle>
+  <p:extLst>
+    <p:ext uri="{EFAFB233-063F-42B5-8137-9DF3F51BA10A}">
+      <p15:sldGuideLst xmlns:p15="http://schemas.microsoft.com/office/powerpoint/2012/main"/>
+    </p:ext>
+  </p:extLst>
 </p:presentation>
+</file>
+
+<file path=ppt/diagrams/colors1.xml><?xml version="1.0" encoding="utf-8"?>
+<dgm:colorsDef xmlns:dgm="http://schemas.openxmlformats.org/drawingml/2006/diagram" xmlns:a="http://schemas.openxmlformats.org/drawingml/2006/main" uniqueId="urn:microsoft.com/office/officeart/2005/8/colors/accent1_2">
+  <dgm:title val=""/>
+  <dgm:desc val=""/>
+  <dgm:catLst>
+    <dgm:cat type="accent1" pri="11200"/>
+  </dgm:catLst>
+  <dgm:styleLbl name="node0">
+    <dgm:fillClrLst meth="repeat">
+      <a:schemeClr val="accent1"/>
+    </dgm:fillClrLst>
+    <dgm:linClrLst meth="repeat">
+      <a:schemeClr val="lt1"/>
+    </dgm:linClrLst>
+    <dgm:effectClrLst/>
+    <dgm:txLinClrLst/>
+    <dgm:txFillClrLst/>
+    <dgm:txEffectClrLst/>
+  </dgm:styleLbl>
+  <dgm:styleLbl name="alignNode1">
+    <dgm:fillClrLst meth="repeat">
+      <a:schemeClr val="accent1"/>
+    </dgm:fillClrLst>
+    <dgm:linClrLst meth="repeat">
+      <a:schemeClr val="accent1"/>
+    </dgm:linClrLst>
+    <dgm:effectClrLst/>
+    <dgm:txLinClrLst/>
+    <dgm:txFillClrLst/>
+    <dgm:txEffectClrLst/>
+  </dgm:styleLbl>
+  <dgm:styleLbl name="node1">
+    <dgm:fillClrLst meth="repeat">
+      <a:schemeClr val="accent1"/>
+    </dgm:fillClrLst>
+    <dgm:linClrLst meth="repeat">
+      <a:schemeClr val="lt1"/>
+    </dgm:linClrLst>
+    <dgm:effectClrLst/>
+    <dgm:txLinClrLst/>
+    <dgm:txFillClrLst/>
+    <dgm:txEffectClrLst/>
+  </dgm:styleLbl>
+  <dgm:styleLbl name="lnNode1">
+    <dgm:fillClrLst meth="repeat">
+      <a:schemeClr val="accent1"/>
+    </dgm:fillClrLst>
+    <dgm:linClrLst meth="repeat">
+      <a:schemeClr val="lt1"/>
+    </dgm:linClrLst>
+    <dgm:effectClrLst/>
+    <dgm:txLinClrLst/>
+    <dgm:txFillClrLst/>
+    <dgm:txEffectClrLst/>
+  </dgm:styleLbl>
+  <dgm:styleLbl name="vennNode1">
+    <dgm:fillClrLst meth="repeat">
+      <a:schemeClr val="accent1">
+        <a:alpha val="50000"/>
+      </a:schemeClr>
+    </dgm:fillClrLst>
+    <dgm:linClrLst meth="repeat">
+      <a:schemeClr val="lt1"/>
+    </dgm:linClrLst>
+    <dgm:effectClrLst/>
+    <dgm:txLinClrLst/>
+    <dgm:txFillClrLst/>
+    <dgm:txEffectClrLst/>
+  </dgm:styleLbl>
+  <dgm:styleLbl name="node2">
+    <dgm:fillClrLst meth="repeat">
+      <a:schemeClr val="accent1"/>
+    </dgm:fillClrLst>
+    <dgm:linClrLst meth="repeat">
+      <a:schemeClr val="lt1"/>
+    </dgm:linClrLst>
+    <dgm:effectClrLst/>
+    <dgm:txLinClrLst/>
+    <dgm:txFillClrLst/>
+    <dgm:txEffectClrLst/>
+  </dgm:styleLbl>
+  <dgm:styleLbl name="node3">
+    <dgm:fillClrLst meth="repeat">
+      <a:schemeClr val="accent1"/>
+    </dgm:fillClrLst>
+    <dgm:linClrLst meth="repeat">
+      <a:schemeClr val="lt1"/>
+    </dgm:linClrLst>
+    <dgm:effectClrLst/>
+    <dgm:txLinClrLst/>
+    <dgm:txFillClrLst/>
+    <dgm:txEffectClrLst/>
+  </dgm:styleLbl>
+  <dgm:styleLbl name="node4">
+    <dgm:fillClrLst meth="repeat">
+      <a:schemeClr val="accent1"/>
+    </dgm:fillClrLst>
+    <dgm:linClrLst meth="repeat">
+      <a:schemeClr val="lt1"/>
+    </dgm:linClrLst>
+    <dgm:effectClrLst/>
+    <dgm:txLinClrLst/>
+    <dgm:txFillClrLst/>
+    <dgm:txEffectClrLst/>
+  </dgm:styleLbl>
+  <dgm:styleLbl name="fgImgPlace1">
+    <dgm:fillClrLst meth="repeat">
+      <a:schemeClr val="accent1">
+        <a:tint val="50000"/>
+      </a:schemeClr>
+    </dgm:fillClrLst>
+    <dgm:linClrLst meth="repeat">
+      <a:schemeClr val="lt1"/>
+    </dgm:linClrLst>
+    <dgm:effectClrLst/>
+    <dgm:txLinClrLst/>
+    <dgm:txFillClrLst meth="repeat">
+      <a:schemeClr val="lt1"/>
+    </dgm:txFillClrLst>
+    <dgm:txEffectClrLst/>
+  </dgm:styleLbl>
+  <dgm:styleLbl name="alignImgPlace1">
+    <dgm:fillClrLst meth="repeat">
+      <a:schemeClr val="accent1">
+        <a:tint val="50000"/>
+      </a:schemeClr>
+    </dgm:fillClrLst>
+    <dgm:linClrLst meth="repeat">
+      <a:schemeClr val="lt1"/>
+    </dgm:linClrLst>
+    <dgm:effectClrLst/>
+    <dgm:txLinClrLst/>
+    <dgm:txFillClrLst meth="repeat">
+      <a:schemeClr val="lt1"/>
+    </dgm:txFillClrLst>
+    <dgm:txEffectClrLst/>
+  </dgm:styleLbl>
+  <dgm:styleLbl name="bgImgPlace1">
+    <dgm:fillClrLst meth="repeat">
+      <a:schemeClr val="accent1">
+        <a:tint val="50000"/>
+      </a:schemeClr>
+    </dgm:fillClrLst>
+    <dgm:linClrLst meth="repeat">
+      <a:schemeClr val="lt1"/>
+    </dgm:linClrLst>
+    <dgm:effectClrLst/>
+    <dgm:txLinClrLst/>
+    <dgm:txFillClrLst meth="repeat">
+      <a:schemeClr val="lt1"/>
+    </dgm:txFillClrLst>
+    <dgm:txEffectClrLst/>
+  </dgm:styleLbl>
+  <dgm:styleLbl name="sibTrans2D1">
+    <dgm:fillClrLst meth="repeat">
+      <a:schemeClr val="accent1">
+        <a:tint val="60000"/>
+      </a:schemeClr>
+    </dgm:fillClrLst>
+    <dgm:linClrLst meth="repeat">
+      <a:schemeClr val="accent1">
+        <a:tint val="60000"/>
+      </a:schemeClr>
+    </dgm:linClrLst>
+    <dgm:effectClrLst/>
+    <dgm:txLinClrLst/>
+    <dgm:txFillClrLst/>
+    <dgm:txEffectClrLst/>
+  </dgm:styleLbl>
+  <dgm:styleLbl name="fgSibTrans2D1">
+    <dgm:fillClrLst meth="repeat">
+      <a:schemeClr val="accent1">
+        <a:tint val="60000"/>
+      </a:schemeClr>
+    </dgm:fillClrLst>
+    <dgm:linClrLst meth="repeat">
+      <a:schemeClr val="accent1">
+        <a:tint val="60000"/>
+      </a:schemeClr>
+    </dgm:linClrLst>
+    <dgm:effectClrLst/>
+    <dgm:txLinClrLst/>
+    <dgm:txFillClrLst/>
+    <dgm:txEffectClrLst/>
+  </dgm:styleLbl>
+  <dgm:styleLbl name="bgSibTrans2D1">
+    <dgm:fillClrLst meth="repeat">
+      <a:schemeClr val="accent1">
+        <a:tint val="60000"/>
+      </a:schemeClr>
+    </dgm:fillClrLst>
+    <dgm:linClrLst meth="repeat">
+      <a:schemeClr val="accent1">
+        <a:tint val="60000"/>
+      </a:schemeClr>
+    </dgm:linClrLst>
+    <dgm:effectClrLst/>
+    <dgm:txLinClrLst/>
+    <dgm:txFillClrLst/>
+    <dgm:txEffectClrLst/>
+  </dgm:styleLbl>
+  <dgm:styleLbl name="sibTrans1D1">
+    <dgm:fillClrLst meth="repeat">
+      <a:schemeClr val="accent1"/>
+    </dgm:fillClrLst>
+    <dgm:linClrLst meth="repeat">
+      <a:schemeClr val="accent1"/>
+    </dgm:linClrLst>
+    <dgm:effectClrLst/>
+    <dgm:txLinClrLst/>
+    <dgm:txFillClrLst meth="repeat">
+      <a:schemeClr val="tx1"/>
+    </dgm:txFillClrLst>
+    <dgm:txEffectClrLst/>
+  </dgm:styleLbl>
+  <dgm:styleLbl name="callout">
+    <dgm:fillClrLst meth="repeat">
+      <a:schemeClr val="accent1"/>
+    </dgm:fillClrLst>
+    <dgm:linClrLst meth="repeat">
+      <a:schemeClr val="accent1">
+        <a:tint val="50000"/>
+      </a:schemeClr>
+    </dgm:linClrLst>
+    <dgm:effectClrLst/>
+    <dgm:txLinClrLst/>
+    <dgm:txFillClrLst meth="repeat">
+      <a:schemeClr val="tx1"/>
+    </dgm:txFillClrLst>
+    <dgm:txEffectClrLst/>
+  </dgm:styleLbl>
+  <dgm:styleLbl name="asst0">
+    <dgm:fillClrLst meth="repeat">
+      <a:schemeClr val="accent1"/>
+    </dgm:fillClrLst>
+    <dgm:linClrLst meth="repeat">
+      <a:schemeClr val="lt1"/>
+    </dgm:linClrLst>
+    <dgm:effectClrLst/>
+    <dgm:txLinClrLst/>
+    <dgm:txFillClrLst/>
+    <dgm:txEffectClrLst/>
+  </dgm:styleLbl>
+  <dgm:styleLbl name="asst1">
+    <dgm:fillClrLst meth="repeat">
+      <a:schemeClr val="accent1"/>
+    </dgm:fillClrLst>
+    <dgm:linClrLst meth="repeat">
+      <a:schemeClr val="lt1"/>
+    </dgm:linClrLst>
+    <dgm:effectClrLst/>
+    <dgm:txLinClrLst/>
+    <dgm:txFillClrLst/>
+    <dgm:txEffectClrLst/>
+  </dgm:styleLbl>
+  <dgm:styleLbl name="asst2">
+    <dgm:fillClrLst meth="repeat">
+      <a:schemeClr val="accent1"/>
+    </dgm:fillClrLst>
+    <dgm:linClrLst meth="repeat">
+      <a:schemeClr val="lt1"/>
+    </dgm:linClrLst>
+    <dgm:effectClrLst/>
+    <dgm:txLinClrLst/>
+    <dgm:txFillClrLst/>
+    <dgm:txEffectClrLst/>
+  </dgm:styleLbl>
+  <dgm:styleLbl name="asst3">
+    <dgm:fillClrLst meth="repeat">
+      <a:schemeClr val="accent1"/>
+    </dgm:fillClrLst>
+    <dgm:linClrLst meth="repeat">
+      <a:schemeClr val="lt1"/>
+    </dgm:linClrLst>
+    <dgm:effectClrLst/>
+    <dgm:txLinClrLst/>
+    <dgm:txFillClrLst/>
+    <dgm:txEffectClrLst/>
+  </dgm:styleLbl>
+  <dgm:styleLbl name="asst4">
+    <dgm:fillClrLst meth="repeat">
+      <a:schemeClr val="accent1"/>
+    </dgm:fillClrLst>
+    <dgm:linClrLst meth="repeat">
+      <a:schemeClr val="lt1"/>
+    </dgm:linClrLst>
+    <dgm:effectClrLst/>
+    <dgm:txLinClrLst/>
+    <dgm:txFillClrLst/>
+    <dgm:txEffectClrLst/>
+  </dgm:styleLbl>
+  <dgm:styleLbl name="parChTrans2D1">
+    <dgm:fillClrLst meth="repeat">
+      <a:schemeClr val="accent1">
+        <a:tint val="60000"/>
+      </a:schemeClr>
+    </dgm:fillClrLst>
+    <dgm:linClrLst meth="repeat">
+      <a:schemeClr val="accent1">
+        <a:tint val="60000"/>
+      </a:schemeClr>
+    </dgm:linClrLst>
+    <dgm:effectClrLst/>
+    <dgm:txLinClrLst/>
+    <dgm:txFillClrLst meth="repeat">
+      <a:schemeClr val="lt1"/>
+    </dgm:txFillClrLst>
+    <dgm:txEffectClrLst/>
+  </dgm:styleLbl>
+  <dgm:styleLbl name="parChTrans2D2">
+    <dgm:fillClrLst meth="repeat">
+      <a:schemeClr val="accent1"/>
+    </dgm:fillClrLst>
+    <dgm:linClrLst meth="repeat">
+      <a:schemeClr val="accent1"/>
+    </dgm:linClrLst>
+    <dgm:effectClrLst/>
+    <dgm:txLinClrLst/>
+    <dgm:txFillClrLst meth="repeat">
+      <a:schemeClr val="lt1"/>
+    </dgm:txFillClrLst>
+    <dgm:txEffectClrLst/>
+  </dgm:styleLbl>
+  <dgm:styleLbl name="parChTrans2D3">
+    <dgm:fillClrLst meth="repeat">
+      <a:schemeClr val="accent1"/>
+    </dgm:fillClrLst>
+    <dgm:linClrLst meth="repeat">
+      <a:schemeClr val="accent1"/>
+    </dgm:linClrLst>
+    <dgm:effectClrLst/>
+    <dgm:txLinClrLst/>
+    <dgm:txFillClrLst meth="repeat">
+      <a:schemeClr val="lt1"/>
+    </dgm:txFillClrLst>
+    <dgm:txEffectClrLst/>
+  </dgm:styleLbl>
+  <dgm:styleLbl name="parChTrans2D4">
+    <dgm:fillClrLst meth="repeat">
+      <a:schemeClr val="accent1"/>
+    </dgm:fillClrLst>
+    <dgm:linClrLst meth="repeat">
+      <a:schemeClr val="accent1"/>
+    </dgm:linClrLst>
+    <dgm:effectClrLst/>
+    <dgm:txLinClrLst/>
+    <dgm:txFillClrLst meth="repeat">
+      <a:schemeClr val="lt1"/>
+    </dgm:txFillClrLst>
+    <dgm:txEffectClrLst/>
+  </dgm:styleLbl>
+  <dgm:styleLbl name="parChTrans1D1">
+    <dgm:fillClrLst meth="repeat">
+      <a:schemeClr val="accent1"/>
+    </dgm:fillClrLst>
+    <dgm:linClrLst meth="repeat">
+      <a:schemeClr val="accent1">
+        <a:shade val="60000"/>
+      </a:schemeClr>
+    </dgm:linClrLst>
+    <dgm:effectClrLst/>
+    <dgm:txLinClrLst/>
+    <dgm:txFillClrLst meth="repeat">
+      <a:schemeClr val="tx1"/>
+    </dgm:txFillClrLst>
+    <dgm:txEffectClrLst/>
+  </dgm:styleLbl>
+  <dgm:styleLbl name="parChTrans1D2">
+    <dgm:fillClrLst meth="repeat">
+      <a:schemeClr val="accent1"/>
+    </dgm:fillClrLst>
+    <dgm:linClrLst meth="repeat">
+      <a:schemeClr val="accent1">
+        <a:shade val="60000"/>
+      </a:schemeClr>
+    </dgm:linClrLst>
+    <dgm:effectClrLst/>
+    <dgm:txLinClrLst/>
+    <dgm:txFillClrLst meth="repeat">
+      <a:schemeClr val="tx1"/>
+    </dgm:txFillClrLst>
+    <dgm:txEffectClrLst/>
+  </dgm:styleLbl>
+  <dgm:styleLbl name="parChTrans1D3">
+    <dgm:fillClrLst meth="repeat">
+      <a:schemeClr val="accent1"/>
+    </dgm:fillClrLst>
+    <dgm:linClrLst meth="repeat">
+      <a:schemeClr val="accent1">
+        <a:shade val="80000"/>
+      </a:schemeClr>
+    </dgm:linClrLst>
+    <dgm:effectClrLst/>
+    <dgm:txLinClrLst/>
+    <dgm:txFillClrLst meth="repeat">
+      <a:schemeClr val="tx1"/>
+    </dgm:txFillClrLst>
+    <dgm:txEffectClrLst/>
+  </dgm:styleLbl>
+  <dgm:styleLbl name="parChTrans1D4">
+    <dgm:fillClrLst meth="repeat">
+      <a:schemeClr val="accent1"/>
+    </dgm:fillClrLst>
+    <dgm:linClrLst meth="repeat">
+      <a:schemeClr val="accent1">
+        <a:shade val="80000"/>
+      </a:schemeClr>
+    </dgm:linClrLst>
+    <dgm:effectClrLst/>
+    <dgm:txLinClrLst/>
+    <dgm:txFillClrLst meth="repeat">
+      <a:schemeClr val="tx1"/>
+    </dgm:txFillClrLst>
+    <dgm:txEffectClrLst/>
+  </dgm:styleLbl>
+  <dgm:styleLbl name="fgAcc1">
+    <dgm:fillClrLst meth="repeat">
+      <a:schemeClr val="lt1">
+        <a:alpha val="90000"/>
+      </a:schemeClr>
+    </dgm:fillClrLst>
+    <dgm:linClrLst meth="repeat">
+      <a:schemeClr val="accent1"/>
+    </dgm:linClrLst>
+    <dgm:effectClrLst/>
+    <dgm:txLinClrLst/>
+    <dgm:txFillClrLst meth="repeat">
+      <a:schemeClr val="dk1"/>
+    </dgm:txFillClrLst>
+    <dgm:txEffectClrLst/>
+  </dgm:styleLbl>
+  <dgm:styleLbl name="conFgAcc1">
+    <dgm:fillClrLst meth="repeat">
+      <a:schemeClr val="lt1">
+        <a:alpha val="90000"/>
+      </a:schemeClr>
+    </dgm:fillClrLst>
+    <dgm:linClrLst meth="repeat">
+      <a:schemeClr val="accent1"/>
+    </dgm:linClrLst>
+    <dgm:effectClrLst/>
+    <dgm:txLinClrLst/>
+    <dgm:txFillClrLst meth="repeat">
+      <a:schemeClr val="dk1"/>
+    </dgm:txFillClrLst>
+    <dgm:txEffectClrLst/>
+  </dgm:styleLbl>
+  <dgm:styleLbl name="alignAcc1">
+    <dgm:fillClrLst meth="repeat">
+      <a:schemeClr val="lt1">
+        <a:alpha val="90000"/>
+      </a:schemeClr>
+    </dgm:fillClrLst>
+    <dgm:linClrLst meth="repeat">
+      <a:schemeClr val="accent1"/>
+    </dgm:linClrLst>
+    <dgm:effectClrLst/>
+    <dgm:txLinClrLst/>
+    <dgm:txFillClrLst meth="repeat">
+      <a:schemeClr val="dk1"/>
+    </dgm:txFillClrLst>
+    <dgm:txEffectClrLst/>
+  </dgm:styleLbl>
+  <dgm:styleLbl name="trAlignAcc1">
+    <dgm:fillClrLst meth="repeat">
+      <a:schemeClr val="lt1">
+        <a:alpha val="40000"/>
+      </a:schemeClr>
+    </dgm:fillClrLst>
+    <dgm:linClrLst meth="repeat">
+      <a:schemeClr val="accent1"/>
+    </dgm:linClrLst>
+    <dgm:effectClrLst/>
+    <dgm:txLinClrLst/>
+    <dgm:txFillClrLst meth="repeat">
+      <a:schemeClr val="dk1"/>
+    </dgm:txFillClrLst>
+    <dgm:txEffectClrLst/>
+  </dgm:styleLbl>
+  <dgm:styleLbl name="bgAcc1">
+    <dgm:fillClrLst meth="repeat">
+      <a:schemeClr val="lt1">
+        <a:alpha val="90000"/>
+      </a:schemeClr>
+    </dgm:fillClrLst>
+    <dgm:linClrLst meth="repeat">
+      <a:schemeClr val="accent1"/>
+    </dgm:linClrLst>
+    <dgm:effectClrLst/>
+    <dgm:txLinClrLst/>
+    <dgm:txFillClrLst meth="repeat">
+      <a:schemeClr val="dk1"/>
+    </dgm:txFillClrLst>
+    <dgm:txEffectClrLst/>
+  </dgm:styleLbl>
+  <dgm:styleLbl name="solidFgAcc1">
+    <dgm:fillClrLst meth="repeat">
+      <a:schemeClr val="lt1"/>
+    </dgm:fillClrLst>
+    <dgm:linClrLst meth="repeat">
+      <a:schemeClr val="accent1"/>
+    </dgm:linClrLst>
+    <dgm:effectClrLst/>
+    <dgm:txLinClrLst/>
+    <dgm:txFillClrLst meth="repeat">
+      <a:schemeClr val="dk1"/>
+    </dgm:txFillClrLst>
+    <dgm:txEffectClrLst/>
+  </dgm:styleLbl>
+  <dgm:styleLbl name="solidAlignAcc1">
+    <dgm:fillClrLst meth="repeat">
+      <a:schemeClr val="lt1"/>
+    </dgm:fillClrLst>
+    <dgm:linClrLst meth="repeat">
+      <a:schemeClr val="accent1"/>
+    </dgm:linClrLst>
+    <dgm:effectClrLst/>
+    <dgm:txLinClrLst/>
+    <dgm:txFillClrLst meth="repeat">
+      <a:schemeClr val="dk1"/>
+    </dgm:txFillClrLst>
+    <dgm:txEffectClrLst/>
+  </dgm:styleLbl>
+  <dgm:styleLbl name="solidBgAcc1">
+    <dgm:fillClrLst meth="repeat">
+      <a:schemeClr val="lt1"/>
+    </dgm:fillClrLst>
+    <dgm:linClrLst meth="repeat">
+      <a:schemeClr val="accent1"/>
+    </dgm:linClrLst>
+    <dgm:effectClrLst/>
+    <dgm:txLinClrLst/>
+    <dgm:txFillClrLst meth="repeat">
+      <a:schemeClr val="dk1"/>
+    </dgm:txFillClrLst>
+    <dgm:txEffectClrLst/>
+  </dgm:styleLbl>
+  <dgm:styleLbl name="fgAccFollowNode1">
+    <dgm:fillClrLst meth="repeat">
+      <a:schemeClr val="accent1">
+        <a:alpha val="90000"/>
+        <a:tint val="40000"/>
+      </a:schemeClr>
+    </dgm:fillClrLst>
+    <dgm:linClrLst meth="repeat">
+      <a:schemeClr val="accent1">
+        <a:alpha val="90000"/>
+        <a:tint val="40000"/>
+      </a:schemeClr>
+    </dgm:linClrLst>
+    <dgm:effectClrLst/>
+    <dgm:txLinClrLst/>
+    <dgm:txFillClrLst meth="repeat">
+      <a:schemeClr val="dk1"/>
+    </dgm:txFillClrLst>
+    <dgm:txEffectClrLst/>
+  </dgm:styleLbl>
+  <dgm:styleLbl name="alignAccFollowNode1">
+    <dgm:fillClrLst meth="repeat">
+      <a:schemeClr val="accent1">
+        <a:alpha val="90000"/>
+        <a:tint val="40000"/>
+      </a:schemeClr>
+    </dgm:fillClrLst>
+    <dgm:linClrLst meth="repeat">
+      <a:schemeClr val="accent1">
+        <a:alpha val="90000"/>
+        <a:tint val="40000"/>
+      </a:schemeClr>
+    </dgm:linClrLst>
+    <dgm:effectClrLst/>
+    <dgm:txLinClrLst/>
+    <dgm:txFillClrLst meth="repeat">
+      <a:schemeClr val="dk1"/>
+    </dgm:txFillClrLst>
+    <dgm:txEffectClrLst/>
+  </dgm:styleLbl>
+  <dgm:styleLbl name="bgAccFollowNode1">
+    <dgm:fillClrLst meth="repeat">
+      <a:schemeClr val="accent1">
+        <a:alpha val="90000"/>
+        <a:tint val="40000"/>
+      </a:schemeClr>
+    </dgm:fillClrLst>
+    <dgm:linClrLst meth="repeat">
+      <a:schemeClr val="accent1">
+        <a:alpha val="90000"/>
+        <a:tint val="40000"/>
+      </a:schemeClr>
+    </dgm:linClrLst>
+    <dgm:effectClrLst/>
+    <dgm:txLinClrLst/>
+    <dgm:txFillClrLst meth="repeat">
+      <a:schemeClr val="dk1"/>
+    </dgm:txFillClrLst>
+    <dgm:txEffectClrLst/>
+  </dgm:styleLbl>
+  <dgm:styleLbl name="fgAcc0">
+    <dgm:fillClrLst meth="repeat">
+      <a:schemeClr val="lt1">
+        <a:alpha val="90000"/>
+      </a:schemeClr>
+    </dgm:fillClrLst>
+    <dgm:linClrLst meth="repeat">
+      <a:schemeClr val="accent1"/>
+    </dgm:linClrLst>
+    <dgm:effectClrLst/>
+    <dgm:txLinClrLst/>
+    <dgm:txFillClrLst meth="repeat">
+      <a:schemeClr val="dk1"/>
+    </dgm:txFillClrLst>
+    <dgm:txEffectClrLst/>
+  </dgm:styleLbl>
+  <dgm:styleLbl name="fgAcc2">
+    <dgm:fillClrLst meth="repeat">
+      <a:schemeClr val="lt1">
+        <a:alpha val="90000"/>
+      </a:schemeClr>
+    </dgm:fillClrLst>
+    <dgm:linClrLst meth="repeat">
+      <a:schemeClr val="accent1"/>
+    </dgm:linClrLst>
+    <dgm:effectClrLst/>
+    <dgm:txLinClrLst/>
+    <dgm:txFillClrLst meth="repeat">
+      <a:schemeClr val="dk1"/>
+    </dgm:txFillClrLst>
+    <dgm:txEffectClrLst/>
+  </dgm:styleLbl>
+  <dgm:styleLbl name="fgAcc3">
+    <dgm:fillClrLst meth="repeat">
+      <a:schemeClr val="lt1">
+        <a:alpha val="90000"/>
+      </a:schemeClr>
+    </dgm:fillClrLst>
+    <dgm:linClrLst meth="repeat">
+      <a:schemeClr val="accent1"/>
+    </dgm:linClrLst>
+    <dgm:effectClrLst/>
+    <dgm:txLinClrLst/>
+    <dgm:txFillClrLst meth="repeat">
+      <a:schemeClr val="dk1"/>
+    </dgm:txFillClrLst>
+    <dgm:txEffectClrLst/>
+  </dgm:styleLbl>
+  <dgm:styleLbl name="fgAcc4">
+    <dgm:fillClrLst meth="repeat">
+      <a:schemeClr val="lt1">
+        <a:alpha val="90000"/>
+      </a:schemeClr>
+    </dgm:fillClrLst>
+    <dgm:linClrLst meth="repeat">
+      <a:schemeClr val="accent1"/>
+    </dgm:linClrLst>
+    <dgm:effectClrLst/>
+    <dgm:txLinClrLst/>
+    <dgm:txFillClrLst meth="repeat">
+      <a:schemeClr val="dk1"/>
+    </dgm:txFillClrLst>
+    <dgm:txEffectClrLst/>
+  </dgm:styleLbl>
+  <dgm:styleLbl name="bgShp">
+    <dgm:fillClrLst meth="repeat">
+      <a:schemeClr val="accent1">
+        <a:tint val="40000"/>
+      </a:schemeClr>
+    </dgm:fillClrLst>
+    <dgm:linClrLst meth="repeat">
+      <a:schemeClr val="accent1"/>
+    </dgm:linClrLst>
+    <dgm:effectClrLst/>
+    <dgm:txLinClrLst/>
+    <dgm:txFillClrLst meth="repeat">
+      <a:schemeClr val="dk1"/>
+    </dgm:txFillClrLst>
+    <dgm:txEffectClrLst/>
+  </dgm:styleLbl>
+  <dgm:styleLbl name="dkBgShp">
+    <dgm:fillClrLst meth="repeat">
+      <a:schemeClr val="accent1">
+        <a:shade val="80000"/>
+      </a:schemeClr>
+    </dgm:fillClrLst>
+    <dgm:linClrLst meth="repeat">
+      <a:schemeClr val="accent1"/>
+    </dgm:linClrLst>
+    <dgm:effectClrLst/>
+    <dgm:txLinClrLst/>
+    <dgm:txFillClrLst meth="repeat">
+      <a:schemeClr val="lt1"/>
+    </dgm:txFillClrLst>
+    <dgm:txEffectClrLst/>
+  </dgm:styleLbl>
+  <dgm:styleLbl name="trBgShp">
+    <dgm:fillClrLst meth="repeat">
+      <a:schemeClr val="accent1">
+        <a:tint val="50000"/>
+        <a:alpha val="40000"/>
+      </a:schemeClr>
+    </dgm:fillClrLst>
+    <dgm:linClrLst meth="repeat">
+      <a:schemeClr val="accent1"/>
+    </dgm:linClrLst>
+    <dgm:effectClrLst/>
+    <dgm:txLinClrLst/>
+    <dgm:txFillClrLst meth="repeat">
+      <a:schemeClr val="lt1"/>
+    </dgm:txFillClrLst>
+    <dgm:txEffectClrLst/>
+  </dgm:styleLbl>
+  <dgm:styleLbl name="fgShp">
+    <dgm:fillClrLst meth="repeat">
+      <a:schemeClr val="accent1">
+        <a:tint val="60000"/>
+      </a:schemeClr>
+    </dgm:fillClrLst>
+    <dgm:linClrLst meth="repeat">
+      <a:schemeClr val="lt1"/>
+    </dgm:linClrLst>
+    <dgm:effectClrLst/>
+    <dgm:txLinClrLst/>
+    <dgm:txFillClrLst meth="repeat">
+      <a:schemeClr val="dk1"/>
+    </dgm:txFillClrLst>
+    <dgm:txEffectClrLst/>
+  </dgm:styleLbl>
+  <dgm:styleLbl name="revTx">
+    <dgm:fillClrLst meth="repeat">
+      <a:schemeClr val="lt1">
+        <a:alpha val="0"/>
+      </a:schemeClr>
+    </dgm:fillClrLst>
+    <dgm:linClrLst meth="repeat">
+      <a:schemeClr val="dk1">
+        <a:alpha val="0"/>
+      </a:schemeClr>
+    </dgm:linClrLst>
+    <dgm:effectClrLst/>
+    <dgm:txLinClrLst/>
+    <dgm:txFillClrLst meth="repeat">
+      <a:schemeClr val="tx1"/>
+    </dgm:txFillClrLst>
+    <dgm:txEffectClrLst/>
+  </dgm:styleLbl>
+</dgm:colorsDef>
+</file>
+
+<file path=ppt/diagrams/data1.xml><?xml version="1.0" encoding="utf-8"?>
+<dgm:dataModel xmlns:dgm="http://schemas.openxmlformats.org/drawingml/2006/diagram" xmlns:a="http://schemas.openxmlformats.org/drawingml/2006/main">
+  <dgm:ptLst>
+    <dgm:pt modelId="{C4EB4265-A8E0-4117-9279-8B35CC244605}" type="doc">
+      <dgm:prSet loTypeId="urn:microsoft.com/office/officeart/2005/8/layout/chevron1" loCatId="process" qsTypeId="urn:microsoft.com/office/officeart/2005/8/quickstyle/simple1" qsCatId="simple" csTypeId="urn:microsoft.com/office/officeart/2005/8/colors/accent1_2" csCatId="accent1" phldr="1"/>
+      <dgm:spPr/>
+    </dgm:pt>
+    <dgm:pt modelId="{602F12AD-C0FA-46FD-8634-60D3EF405F2B}">
+      <dgm:prSet phldrT="[テキスト]"/>
+      <dgm:spPr/>
+      <dgm:t>
+        <a:bodyPr/>
+        <a:lstStyle/>
+        <a:p>
+          <a:r>
+            <a:rPr kumimoji="1" lang="ja-JP" altLang="en-US" dirty="0" smtClean="0"/>
+            <a:t>あｓ</a:t>
+          </a:r>
+          <a:endParaRPr kumimoji="1" lang="ja-JP" altLang="en-US" dirty="0"/>
+        </a:p>
+      </dgm:t>
+    </dgm:pt>
+    <dgm:pt modelId="{632DE61E-D6B1-448A-8953-BB3ED8C183F6}" type="parTrans" cxnId="{CE2EAB73-87E0-4454-B1ED-93E288B515D7}">
+      <dgm:prSet/>
+      <dgm:spPr/>
+      <dgm:t>
+        <a:bodyPr/>
+        <a:lstStyle/>
+        <a:p>
+          <a:endParaRPr kumimoji="1" lang="ja-JP" altLang="en-US"/>
+        </a:p>
+      </dgm:t>
+    </dgm:pt>
+    <dgm:pt modelId="{BC12D31D-560D-4225-B6B0-3C8DC104EBCA}" type="sibTrans" cxnId="{CE2EAB73-87E0-4454-B1ED-93E288B515D7}">
+      <dgm:prSet/>
+      <dgm:spPr/>
+      <dgm:t>
+        <a:bodyPr/>
+        <a:lstStyle/>
+        <a:p>
+          <a:endParaRPr kumimoji="1" lang="ja-JP" altLang="en-US"/>
+        </a:p>
+      </dgm:t>
+    </dgm:pt>
+    <dgm:pt modelId="{362A377A-7551-4A88-BA0F-5E2566773832}">
+      <dgm:prSet phldrT="[テキスト]"/>
+      <dgm:spPr/>
+      <dgm:t>
+        <a:bodyPr/>
+        <a:lstStyle/>
+        <a:p>
+          <a:r>
+            <a:rPr kumimoji="1" lang="ja-JP" altLang="en-US" dirty="0" smtClean="0"/>
+            <a:t>ああああああ</a:t>
+          </a:r>
+          <a:endParaRPr kumimoji="1" lang="ja-JP" altLang="en-US" dirty="0"/>
+        </a:p>
+      </dgm:t>
+    </dgm:pt>
+    <dgm:pt modelId="{AEFBD260-0F22-4ACF-9A2F-79CCE4892B6B}" type="parTrans" cxnId="{EB6B79EA-1A10-4562-8728-19D16F419C8F}">
+      <dgm:prSet/>
+      <dgm:spPr/>
+      <dgm:t>
+        <a:bodyPr/>
+        <a:lstStyle/>
+        <a:p>
+          <a:endParaRPr kumimoji="1" lang="ja-JP" altLang="en-US"/>
+        </a:p>
+      </dgm:t>
+    </dgm:pt>
+    <dgm:pt modelId="{A1A68764-881B-402F-BD39-F346F556E648}" type="sibTrans" cxnId="{EB6B79EA-1A10-4562-8728-19D16F419C8F}">
+      <dgm:prSet/>
+      <dgm:spPr/>
+      <dgm:t>
+        <a:bodyPr/>
+        <a:lstStyle/>
+        <a:p>
+          <a:endParaRPr kumimoji="1" lang="ja-JP" altLang="en-US"/>
+        </a:p>
+      </dgm:t>
+    </dgm:pt>
+    <dgm:pt modelId="{B7DC2F19-FB82-425F-BF53-0665CD89952F}">
+      <dgm:prSet phldrT="[テキスト]"/>
+      <dgm:spPr/>
+      <dgm:t>
+        <a:bodyPr/>
+        <a:lstStyle/>
+        <a:p>
+          <a:r>
+            <a:rPr kumimoji="1" lang="ja-JP" altLang="en-US" dirty="0" smtClean="0"/>
+            <a:t>あああああ</a:t>
+          </a:r>
+          <a:endParaRPr kumimoji="1" lang="ja-JP" altLang="en-US" dirty="0"/>
+        </a:p>
+      </dgm:t>
+    </dgm:pt>
+    <dgm:pt modelId="{D97014CC-F5D6-40AE-8836-09851C1D9EF8}" type="parTrans" cxnId="{5A27FAE2-56CC-4D09-A15B-99EFE98B924B}">
+      <dgm:prSet/>
+      <dgm:spPr/>
+      <dgm:t>
+        <a:bodyPr/>
+        <a:lstStyle/>
+        <a:p>
+          <a:endParaRPr kumimoji="1" lang="ja-JP" altLang="en-US"/>
+        </a:p>
+      </dgm:t>
+    </dgm:pt>
+    <dgm:pt modelId="{DBF69162-94D6-4B7C-B389-26A026900B2E}" type="sibTrans" cxnId="{5A27FAE2-56CC-4D09-A15B-99EFE98B924B}">
+      <dgm:prSet/>
+      <dgm:spPr/>
+      <dgm:t>
+        <a:bodyPr/>
+        <a:lstStyle/>
+        <a:p>
+          <a:endParaRPr kumimoji="1" lang="ja-JP" altLang="en-US"/>
+        </a:p>
+      </dgm:t>
+    </dgm:pt>
+    <dgm:pt modelId="{39A1F290-6B9A-47B7-A8A3-A818C2512BD0}">
+      <dgm:prSet phldrT="[テキスト]" phldr="1"/>
+      <dgm:spPr>
+        <a:solidFill>
+          <a:schemeClr val="accent2"/>
+        </a:solidFill>
+      </dgm:spPr>
+      <dgm:t>
+        <a:bodyPr/>
+        <a:lstStyle/>
+        <a:p>
+          <a:endParaRPr kumimoji="1" lang="ja-JP" altLang="en-US" dirty="0"/>
+        </a:p>
+      </dgm:t>
+    </dgm:pt>
+    <dgm:pt modelId="{7B65D7D5-2246-487D-96E2-0AC233DAA2EE}" type="sibTrans" cxnId="{23E004F8-98C0-4B4B-8B23-6834A3181B33}">
+      <dgm:prSet/>
+      <dgm:spPr/>
+      <dgm:t>
+        <a:bodyPr/>
+        <a:lstStyle/>
+        <a:p>
+          <a:endParaRPr kumimoji="1" lang="ja-JP" altLang="en-US"/>
+        </a:p>
+      </dgm:t>
+    </dgm:pt>
+    <dgm:pt modelId="{0A9A296F-66A4-4FFC-9DB9-379D569100DF}" type="parTrans" cxnId="{23E004F8-98C0-4B4B-8B23-6834A3181B33}">
+      <dgm:prSet/>
+      <dgm:spPr/>
+      <dgm:t>
+        <a:bodyPr/>
+        <a:lstStyle/>
+        <a:p>
+          <a:endParaRPr kumimoji="1" lang="ja-JP" altLang="en-US"/>
+        </a:p>
+      </dgm:t>
+    </dgm:pt>
+    <dgm:pt modelId="{A662406B-906D-4180-96EB-23D078627465}" type="pres">
+      <dgm:prSet presAssocID="{C4EB4265-A8E0-4117-9279-8B35CC244605}" presName="Name0" presStyleCnt="0">
+        <dgm:presLayoutVars>
+          <dgm:dir/>
+          <dgm:animLvl val="lvl"/>
+          <dgm:resizeHandles val="exact"/>
+        </dgm:presLayoutVars>
+      </dgm:prSet>
+      <dgm:spPr/>
+    </dgm:pt>
+    <dgm:pt modelId="{EB9A1B0A-42E9-4A62-A321-B09913D7799B}" type="pres">
+      <dgm:prSet presAssocID="{602F12AD-C0FA-46FD-8634-60D3EF405F2B}" presName="parTxOnly" presStyleLbl="node1" presStyleIdx="0" presStyleCnt="4">
+        <dgm:presLayoutVars>
+          <dgm:chMax val="0"/>
+          <dgm:chPref val="0"/>
+          <dgm:bulletEnabled val="1"/>
+        </dgm:presLayoutVars>
+      </dgm:prSet>
+      <dgm:spPr/>
+    </dgm:pt>
+    <dgm:pt modelId="{53DC3391-5E56-4E3E-B031-A06C28A0D891}" type="pres">
+      <dgm:prSet presAssocID="{BC12D31D-560D-4225-B6B0-3C8DC104EBCA}" presName="parTxOnlySpace" presStyleCnt="0"/>
+      <dgm:spPr/>
+    </dgm:pt>
+    <dgm:pt modelId="{6DC50307-EA81-4630-A15A-8734DD7D668D}" type="pres">
+      <dgm:prSet presAssocID="{362A377A-7551-4A88-BA0F-5E2566773832}" presName="parTxOnly" presStyleLbl="node1" presStyleIdx="1" presStyleCnt="4">
+        <dgm:presLayoutVars>
+          <dgm:chMax val="0"/>
+          <dgm:chPref val="0"/>
+          <dgm:bulletEnabled val="1"/>
+        </dgm:presLayoutVars>
+      </dgm:prSet>
+      <dgm:spPr/>
+    </dgm:pt>
+    <dgm:pt modelId="{FD1DE1D4-07FD-48AA-9C32-1F2545EBBF2A}" type="pres">
+      <dgm:prSet presAssocID="{A1A68764-881B-402F-BD39-F346F556E648}" presName="parTxOnlySpace" presStyleCnt="0"/>
+      <dgm:spPr/>
+    </dgm:pt>
+    <dgm:pt modelId="{45444470-9032-430B-8F9E-10A45AA77BF8}" type="pres">
+      <dgm:prSet presAssocID="{B7DC2F19-FB82-425F-BF53-0665CD89952F}" presName="parTxOnly" presStyleLbl="node1" presStyleIdx="2" presStyleCnt="4">
+        <dgm:presLayoutVars>
+          <dgm:chMax val="0"/>
+          <dgm:chPref val="0"/>
+          <dgm:bulletEnabled val="1"/>
+        </dgm:presLayoutVars>
+      </dgm:prSet>
+      <dgm:spPr/>
+    </dgm:pt>
+    <dgm:pt modelId="{4EDA1038-540C-4049-9ACF-F637CB2A78D1}" type="pres">
+      <dgm:prSet presAssocID="{DBF69162-94D6-4B7C-B389-26A026900B2E}" presName="parTxOnlySpace" presStyleCnt="0"/>
+      <dgm:spPr/>
+    </dgm:pt>
+    <dgm:pt modelId="{B3440662-7855-42F0-87A5-16C9F4B615EB}" type="pres">
+      <dgm:prSet presAssocID="{39A1F290-6B9A-47B7-A8A3-A818C2512BD0}" presName="parTxOnly" presStyleLbl="node1" presStyleIdx="3" presStyleCnt="4">
+        <dgm:presLayoutVars>
+          <dgm:chMax val="0"/>
+          <dgm:chPref val="0"/>
+          <dgm:bulletEnabled val="1"/>
+        </dgm:presLayoutVars>
+      </dgm:prSet>
+      <dgm:spPr/>
+      <dgm:t>
+        <a:bodyPr/>
+        <a:lstStyle/>
+        <a:p>
+          <a:endParaRPr kumimoji="1" lang="ja-JP" altLang="en-US"/>
+        </a:p>
+      </dgm:t>
+    </dgm:pt>
+  </dgm:ptLst>
+  <dgm:cxnLst>
+    <dgm:cxn modelId="{BF8ACD88-AF59-467D-BD34-C535965671AB}" type="presOf" srcId="{362A377A-7551-4A88-BA0F-5E2566773832}" destId="{6DC50307-EA81-4630-A15A-8734DD7D668D}" srcOrd="0" destOrd="0" presId="urn:microsoft.com/office/officeart/2005/8/layout/chevron1"/>
+    <dgm:cxn modelId="{23E004F8-98C0-4B4B-8B23-6834A3181B33}" srcId="{C4EB4265-A8E0-4117-9279-8B35CC244605}" destId="{39A1F290-6B9A-47B7-A8A3-A818C2512BD0}" srcOrd="3" destOrd="0" parTransId="{0A9A296F-66A4-4FFC-9DB9-379D569100DF}" sibTransId="{7B65D7D5-2246-487D-96E2-0AC233DAA2EE}"/>
+    <dgm:cxn modelId="{2BD50928-4791-4CCA-A70A-D617EF862CE3}" type="presOf" srcId="{39A1F290-6B9A-47B7-A8A3-A818C2512BD0}" destId="{B3440662-7855-42F0-87A5-16C9F4B615EB}" srcOrd="0" destOrd="0" presId="urn:microsoft.com/office/officeart/2005/8/layout/chevron1"/>
+    <dgm:cxn modelId="{CE2EAB73-87E0-4454-B1ED-93E288B515D7}" srcId="{C4EB4265-A8E0-4117-9279-8B35CC244605}" destId="{602F12AD-C0FA-46FD-8634-60D3EF405F2B}" srcOrd="0" destOrd="0" parTransId="{632DE61E-D6B1-448A-8953-BB3ED8C183F6}" sibTransId="{BC12D31D-560D-4225-B6B0-3C8DC104EBCA}"/>
+    <dgm:cxn modelId="{5A27FAE2-56CC-4D09-A15B-99EFE98B924B}" srcId="{C4EB4265-A8E0-4117-9279-8B35CC244605}" destId="{B7DC2F19-FB82-425F-BF53-0665CD89952F}" srcOrd="2" destOrd="0" parTransId="{D97014CC-F5D6-40AE-8836-09851C1D9EF8}" sibTransId="{DBF69162-94D6-4B7C-B389-26A026900B2E}"/>
+    <dgm:cxn modelId="{7818D928-B29D-4B08-BDE0-08CD3B0E9617}" type="presOf" srcId="{C4EB4265-A8E0-4117-9279-8B35CC244605}" destId="{A662406B-906D-4180-96EB-23D078627465}" srcOrd="0" destOrd="0" presId="urn:microsoft.com/office/officeart/2005/8/layout/chevron1"/>
+    <dgm:cxn modelId="{EB6B79EA-1A10-4562-8728-19D16F419C8F}" srcId="{C4EB4265-A8E0-4117-9279-8B35CC244605}" destId="{362A377A-7551-4A88-BA0F-5E2566773832}" srcOrd="1" destOrd="0" parTransId="{AEFBD260-0F22-4ACF-9A2F-79CCE4892B6B}" sibTransId="{A1A68764-881B-402F-BD39-F346F556E648}"/>
+    <dgm:cxn modelId="{D46A4AA7-E039-4447-9DEA-7A82509ECEDE}" type="presOf" srcId="{B7DC2F19-FB82-425F-BF53-0665CD89952F}" destId="{45444470-9032-430B-8F9E-10A45AA77BF8}" srcOrd="0" destOrd="0" presId="urn:microsoft.com/office/officeart/2005/8/layout/chevron1"/>
+    <dgm:cxn modelId="{C54C4D6C-B6D6-40AA-906C-E46018394F65}" type="presOf" srcId="{602F12AD-C0FA-46FD-8634-60D3EF405F2B}" destId="{EB9A1B0A-42E9-4A62-A321-B09913D7799B}" srcOrd="0" destOrd="0" presId="urn:microsoft.com/office/officeart/2005/8/layout/chevron1"/>
+    <dgm:cxn modelId="{B23CDC30-1FE2-461C-8042-CDB1EC45BDD2}" type="presParOf" srcId="{A662406B-906D-4180-96EB-23D078627465}" destId="{EB9A1B0A-42E9-4A62-A321-B09913D7799B}" srcOrd="0" destOrd="0" presId="urn:microsoft.com/office/officeart/2005/8/layout/chevron1"/>
+    <dgm:cxn modelId="{04A81AFE-B4AB-4F3E-8533-4F16765F11D1}" type="presParOf" srcId="{A662406B-906D-4180-96EB-23D078627465}" destId="{53DC3391-5E56-4E3E-B031-A06C28A0D891}" srcOrd="1" destOrd="0" presId="urn:microsoft.com/office/officeart/2005/8/layout/chevron1"/>
+    <dgm:cxn modelId="{629C25A9-7B70-4AA2-9EE3-0FAF4B118DAE}" type="presParOf" srcId="{A662406B-906D-4180-96EB-23D078627465}" destId="{6DC50307-EA81-4630-A15A-8734DD7D668D}" srcOrd="2" destOrd="0" presId="urn:microsoft.com/office/officeart/2005/8/layout/chevron1"/>
+    <dgm:cxn modelId="{AE5348DC-DA39-46A9-840C-B5951739A32E}" type="presParOf" srcId="{A662406B-906D-4180-96EB-23D078627465}" destId="{FD1DE1D4-07FD-48AA-9C32-1F2545EBBF2A}" srcOrd="3" destOrd="0" presId="urn:microsoft.com/office/officeart/2005/8/layout/chevron1"/>
+    <dgm:cxn modelId="{71971C9B-D680-48B3-B6B7-AED545FB887D}" type="presParOf" srcId="{A662406B-906D-4180-96EB-23D078627465}" destId="{45444470-9032-430B-8F9E-10A45AA77BF8}" srcOrd="4" destOrd="0" presId="urn:microsoft.com/office/officeart/2005/8/layout/chevron1"/>
+    <dgm:cxn modelId="{55A7949E-D110-4E5C-8AB0-60D301BB0D01}" type="presParOf" srcId="{A662406B-906D-4180-96EB-23D078627465}" destId="{4EDA1038-540C-4049-9ACF-F637CB2A78D1}" srcOrd="5" destOrd="0" presId="urn:microsoft.com/office/officeart/2005/8/layout/chevron1"/>
+    <dgm:cxn modelId="{034C49B2-2AFD-450F-AC40-EC039F47DBBA}" type="presParOf" srcId="{A662406B-906D-4180-96EB-23D078627465}" destId="{B3440662-7855-42F0-87A5-16C9F4B615EB}" srcOrd="6" destOrd="0" presId="urn:microsoft.com/office/officeart/2005/8/layout/chevron1"/>
+  </dgm:cxnLst>
+  <dgm:bg/>
+  <dgm:whole/>
+  <dgm:extLst>
+    <a:ext uri="http://schemas.microsoft.com/office/drawing/2008/diagram">
+      <dsp:dataModelExt xmlns:dsp="http://schemas.microsoft.com/office/drawing/2008/diagram" relId="rId6" minVer="http://schemas.openxmlformats.org/drawingml/2006/diagram"/>
+    </a:ext>
+  </dgm:extLst>
+</dgm:dataModel>
+</file>
+
+<file path=ppt/diagrams/drawing1.xml><?xml version="1.0" encoding="utf-8"?>
+<dsp:drawing xmlns:dgm="http://schemas.openxmlformats.org/drawingml/2006/diagram" xmlns:dsp="http://schemas.microsoft.com/office/drawing/2008/diagram" xmlns:a="http://schemas.openxmlformats.org/drawingml/2006/main">
+  <dsp:spTree>
+    <dsp:nvGrpSpPr>
+      <dsp:cNvPr id="0" name=""/>
+      <dsp:cNvGrpSpPr/>
+    </dsp:nvGrpSpPr>
+    <dsp:grpSpPr/>
+    <dsp:sp modelId="{EB9A1B0A-42E9-4A62-A321-B09913D7799B}">
+      <dsp:nvSpPr>
+        <dsp:cNvPr id="0" name=""/>
+        <dsp:cNvSpPr/>
+      </dsp:nvSpPr>
+      <dsp:spPr>
+        <a:xfrm>
+          <a:off x="4657" y="0"/>
+          <a:ext cx="2711026" cy="964692"/>
+        </a:xfrm>
+        <a:prstGeom prst="chevron">
+          <a:avLst/>
+        </a:prstGeom>
+        <a:solidFill>
+          <a:schemeClr val="accent1">
+            <a:hueOff val="0"/>
+            <a:satOff val="0"/>
+            <a:lumOff val="0"/>
+            <a:alphaOff val="0"/>
+          </a:schemeClr>
+        </a:solidFill>
+        <a:ln w="34925" cap="flat" cmpd="sng" algn="in">
+          <a:solidFill>
+            <a:schemeClr val="lt1">
+              <a:hueOff val="0"/>
+              <a:satOff val="0"/>
+              <a:lumOff val="0"/>
+              <a:alphaOff val="0"/>
+            </a:schemeClr>
+          </a:solidFill>
+          <a:prstDash val="solid"/>
+        </a:ln>
+        <a:effectLst/>
+      </dsp:spPr>
+      <dsp:style>
+        <a:lnRef idx="2">
+          <a:scrgbClr r="0" g="0" b="0"/>
+        </a:lnRef>
+        <a:fillRef idx="1">
+          <a:scrgbClr r="0" g="0" b="0"/>
+        </a:fillRef>
+        <a:effectRef idx="0">
+          <a:scrgbClr r="0" g="0" b="0"/>
+        </a:effectRef>
+        <a:fontRef idx="minor">
+          <a:schemeClr val="lt1"/>
+        </a:fontRef>
+      </dsp:style>
+      <dsp:txBody>
+        <a:bodyPr spcFirstLastPara="0" vert="horz" wrap="square" lIns="84011" tIns="28004" rIns="28004" bIns="28004" numCol="1" spcCol="1270" anchor="ctr" anchorCtr="0">
+          <a:noAutofit/>
+        </a:bodyPr>
+        <a:lstStyle/>
+        <a:p>
+          <a:pPr lvl="0" algn="ctr" defTabSz="933450">
+            <a:lnSpc>
+              <a:spcPct val="90000"/>
+            </a:lnSpc>
+            <a:spcBef>
+              <a:spcPct val="0"/>
+            </a:spcBef>
+            <a:spcAft>
+              <a:spcPct val="35000"/>
+            </a:spcAft>
+          </a:pPr>
+          <a:r>
+            <a:rPr kumimoji="1" lang="ja-JP" altLang="en-US" sz="2100" kern="1200" dirty="0" smtClean="0"/>
+            <a:t>あｓ</a:t>
+          </a:r>
+          <a:endParaRPr kumimoji="1" lang="ja-JP" altLang="en-US" sz="2100" kern="1200" dirty="0"/>
+        </a:p>
+      </dsp:txBody>
+      <dsp:txXfrm>
+        <a:off x="487003" y="0"/>
+        <a:ext cx="1746334" cy="964692"/>
+      </dsp:txXfrm>
+    </dsp:sp>
+    <dsp:sp modelId="{6DC50307-EA81-4630-A15A-8734DD7D668D}">
+      <dsp:nvSpPr>
+        <dsp:cNvPr id="0" name=""/>
+        <dsp:cNvSpPr/>
+      </dsp:nvSpPr>
+      <dsp:spPr>
+        <a:xfrm>
+          <a:off x="2444580" y="0"/>
+          <a:ext cx="2711026" cy="964692"/>
+        </a:xfrm>
+        <a:prstGeom prst="chevron">
+          <a:avLst/>
+        </a:prstGeom>
+        <a:solidFill>
+          <a:schemeClr val="accent1">
+            <a:hueOff val="0"/>
+            <a:satOff val="0"/>
+            <a:lumOff val="0"/>
+            <a:alphaOff val="0"/>
+          </a:schemeClr>
+        </a:solidFill>
+        <a:ln w="34925" cap="flat" cmpd="sng" algn="in">
+          <a:solidFill>
+            <a:schemeClr val="lt1">
+              <a:hueOff val="0"/>
+              <a:satOff val="0"/>
+              <a:lumOff val="0"/>
+              <a:alphaOff val="0"/>
+            </a:schemeClr>
+          </a:solidFill>
+          <a:prstDash val="solid"/>
+        </a:ln>
+        <a:effectLst/>
+      </dsp:spPr>
+      <dsp:style>
+        <a:lnRef idx="2">
+          <a:scrgbClr r="0" g="0" b="0"/>
+        </a:lnRef>
+        <a:fillRef idx="1">
+          <a:scrgbClr r="0" g="0" b="0"/>
+        </a:fillRef>
+        <a:effectRef idx="0">
+          <a:scrgbClr r="0" g="0" b="0"/>
+        </a:effectRef>
+        <a:fontRef idx="minor">
+          <a:schemeClr val="lt1"/>
+        </a:fontRef>
+      </dsp:style>
+      <dsp:txBody>
+        <a:bodyPr spcFirstLastPara="0" vert="horz" wrap="square" lIns="84011" tIns="28004" rIns="28004" bIns="28004" numCol="1" spcCol="1270" anchor="ctr" anchorCtr="0">
+          <a:noAutofit/>
+        </a:bodyPr>
+        <a:lstStyle/>
+        <a:p>
+          <a:pPr lvl="0" algn="ctr" defTabSz="933450">
+            <a:lnSpc>
+              <a:spcPct val="90000"/>
+            </a:lnSpc>
+            <a:spcBef>
+              <a:spcPct val="0"/>
+            </a:spcBef>
+            <a:spcAft>
+              <a:spcPct val="35000"/>
+            </a:spcAft>
+          </a:pPr>
+          <a:r>
+            <a:rPr kumimoji="1" lang="ja-JP" altLang="en-US" sz="2100" kern="1200" dirty="0" smtClean="0"/>
+            <a:t>ああああああ</a:t>
+          </a:r>
+          <a:endParaRPr kumimoji="1" lang="ja-JP" altLang="en-US" sz="2100" kern="1200" dirty="0"/>
+        </a:p>
+      </dsp:txBody>
+      <dsp:txXfrm>
+        <a:off x="2926926" y="0"/>
+        <a:ext cx="1746334" cy="964692"/>
+      </dsp:txXfrm>
+    </dsp:sp>
+    <dsp:sp modelId="{45444470-9032-430B-8F9E-10A45AA77BF8}">
+      <dsp:nvSpPr>
+        <dsp:cNvPr id="0" name=""/>
+        <dsp:cNvSpPr/>
+      </dsp:nvSpPr>
+      <dsp:spPr>
+        <a:xfrm>
+          <a:off x="4884504" y="0"/>
+          <a:ext cx="2711026" cy="964692"/>
+        </a:xfrm>
+        <a:prstGeom prst="chevron">
+          <a:avLst/>
+        </a:prstGeom>
+        <a:solidFill>
+          <a:schemeClr val="accent1">
+            <a:hueOff val="0"/>
+            <a:satOff val="0"/>
+            <a:lumOff val="0"/>
+            <a:alphaOff val="0"/>
+          </a:schemeClr>
+        </a:solidFill>
+        <a:ln w="34925" cap="flat" cmpd="sng" algn="in">
+          <a:solidFill>
+            <a:schemeClr val="lt1">
+              <a:hueOff val="0"/>
+              <a:satOff val="0"/>
+              <a:lumOff val="0"/>
+              <a:alphaOff val="0"/>
+            </a:schemeClr>
+          </a:solidFill>
+          <a:prstDash val="solid"/>
+        </a:ln>
+        <a:effectLst/>
+      </dsp:spPr>
+      <dsp:style>
+        <a:lnRef idx="2">
+          <a:scrgbClr r="0" g="0" b="0"/>
+        </a:lnRef>
+        <a:fillRef idx="1">
+          <a:scrgbClr r="0" g="0" b="0"/>
+        </a:fillRef>
+        <a:effectRef idx="0">
+          <a:scrgbClr r="0" g="0" b="0"/>
+        </a:effectRef>
+        <a:fontRef idx="minor">
+          <a:schemeClr val="lt1"/>
+        </a:fontRef>
+      </dsp:style>
+      <dsp:txBody>
+        <a:bodyPr spcFirstLastPara="0" vert="horz" wrap="square" lIns="84011" tIns="28004" rIns="28004" bIns="28004" numCol="1" spcCol="1270" anchor="ctr" anchorCtr="0">
+          <a:noAutofit/>
+        </a:bodyPr>
+        <a:lstStyle/>
+        <a:p>
+          <a:pPr lvl="0" algn="ctr" defTabSz="933450">
+            <a:lnSpc>
+              <a:spcPct val="90000"/>
+            </a:lnSpc>
+            <a:spcBef>
+              <a:spcPct val="0"/>
+            </a:spcBef>
+            <a:spcAft>
+              <a:spcPct val="35000"/>
+            </a:spcAft>
+          </a:pPr>
+          <a:r>
+            <a:rPr kumimoji="1" lang="ja-JP" altLang="en-US" sz="2100" kern="1200" dirty="0" smtClean="0"/>
+            <a:t>あああああ</a:t>
+          </a:r>
+          <a:endParaRPr kumimoji="1" lang="ja-JP" altLang="en-US" sz="2100" kern="1200" dirty="0"/>
+        </a:p>
+      </dsp:txBody>
+      <dsp:txXfrm>
+        <a:off x="5366850" y="0"/>
+        <a:ext cx="1746334" cy="964692"/>
+      </dsp:txXfrm>
+    </dsp:sp>
+    <dsp:sp modelId="{B3440662-7855-42F0-87A5-16C9F4B615EB}">
+      <dsp:nvSpPr>
+        <dsp:cNvPr id="0" name=""/>
+        <dsp:cNvSpPr/>
+      </dsp:nvSpPr>
+      <dsp:spPr>
+        <a:xfrm>
+          <a:off x="7324428" y="0"/>
+          <a:ext cx="2711026" cy="964692"/>
+        </a:xfrm>
+        <a:prstGeom prst="chevron">
+          <a:avLst/>
+        </a:prstGeom>
+        <a:solidFill>
+          <a:schemeClr val="accent2"/>
+        </a:solidFill>
+        <a:ln w="34925" cap="flat" cmpd="sng" algn="in">
+          <a:solidFill>
+            <a:schemeClr val="lt1">
+              <a:hueOff val="0"/>
+              <a:satOff val="0"/>
+              <a:lumOff val="0"/>
+              <a:alphaOff val="0"/>
+            </a:schemeClr>
+          </a:solidFill>
+          <a:prstDash val="solid"/>
+        </a:ln>
+        <a:effectLst/>
+      </dsp:spPr>
+      <dsp:style>
+        <a:lnRef idx="2">
+          <a:scrgbClr r="0" g="0" b="0"/>
+        </a:lnRef>
+        <a:fillRef idx="1">
+          <a:scrgbClr r="0" g="0" b="0"/>
+        </a:fillRef>
+        <a:effectRef idx="0">
+          <a:scrgbClr r="0" g="0" b="0"/>
+        </a:effectRef>
+        <a:fontRef idx="minor">
+          <a:schemeClr val="lt1"/>
+        </a:fontRef>
+      </dsp:style>
+      <dsp:txBody>
+        <a:bodyPr spcFirstLastPara="0" vert="horz" wrap="square" lIns="84011" tIns="28004" rIns="28004" bIns="28004" numCol="1" spcCol="1270" anchor="ctr" anchorCtr="0">
+          <a:noAutofit/>
+        </a:bodyPr>
+        <a:lstStyle/>
+        <a:p>
+          <a:pPr lvl="0" algn="ctr" defTabSz="933450">
+            <a:lnSpc>
+              <a:spcPct val="90000"/>
+            </a:lnSpc>
+            <a:spcBef>
+              <a:spcPct val="0"/>
+            </a:spcBef>
+            <a:spcAft>
+              <a:spcPct val="35000"/>
+            </a:spcAft>
+          </a:pPr>
+          <a:endParaRPr kumimoji="1" lang="ja-JP" altLang="en-US" sz="2100" kern="1200" dirty="0"/>
+        </a:p>
+      </dsp:txBody>
+      <dsp:txXfrm>
+        <a:off x="7806774" y="0"/>
+        <a:ext cx="1746334" cy="964692"/>
+      </dsp:txXfrm>
+    </dsp:sp>
+  </dsp:spTree>
+</dsp:drawing>
+</file>
+
+<file path=ppt/diagrams/layout1.xml><?xml version="1.0" encoding="utf-8"?>
+<dgm:layoutDef xmlns:dgm="http://schemas.openxmlformats.org/drawingml/2006/diagram" xmlns:a="http://schemas.openxmlformats.org/drawingml/2006/main" uniqueId="urn:microsoft.com/office/officeart/2005/8/layout/chevron1">
+  <dgm:title val=""/>
+  <dgm:desc val=""/>
+  <dgm:catLst>
+    <dgm:cat type="process" pri="9000"/>
+  </dgm:catLst>
+  <dgm:sampData useDef="1">
+    <dgm:dataModel>
+      <dgm:ptLst/>
+      <dgm:bg/>
+      <dgm:whole/>
+    </dgm:dataModel>
+  </dgm:sampData>
+  <dgm:styleData>
+    <dgm:dataModel>
+      <dgm:ptLst>
+        <dgm:pt modelId="0" type="doc"/>
+        <dgm:pt modelId="1"/>
+        <dgm:pt modelId="2"/>
+      </dgm:ptLst>
+      <dgm:cxnLst>
+        <dgm:cxn modelId="3" srcId="0" destId="1" srcOrd="0" destOrd="0"/>
+        <dgm:cxn modelId="4" srcId="0" destId="2" srcOrd="1" destOrd="0"/>
+      </dgm:cxnLst>
+      <dgm:bg/>
+      <dgm:whole/>
+    </dgm:dataModel>
+  </dgm:styleData>
+  <dgm:clrData>
+    <dgm:dataModel>
+      <dgm:ptLst>
+        <dgm:pt modelId="0" type="doc"/>
+        <dgm:pt modelId="1"/>
+        <dgm:pt modelId="2"/>
+        <dgm:pt modelId="3"/>
+        <dgm:pt modelId="4"/>
+      </dgm:ptLst>
+      <dgm:cxnLst>
+        <dgm:cxn modelId="5" srcId="0" destId="1" srcOrd="0" destOrd="0"/>
+        <dgm:cxn modelId="6" srcId="0" destId="2" srcOrd="1" destOrd="0"/>
+        <dgm:cxn modelId="7" srcId="0" destId="3" srcOrd="2" destOrd="0"/>
+        <dgm:cxn modelId="8" srcId="0" destId="4" srcOrd="3" destOrd="0"/>
+      </dgm:cxnLst>
+      <dgm:bg/>
+      <dgm:whole/>
+    </dgm:dataModel>
+  </dgm:clrData>
+  <dgm:layoutNode name="Name0">
+    <dgm:varLst>
+      <dgm:dir/>
+      <dgm:animLvl val="lvl"/>
+      <dgm:resizeHandles val="exact"/>
+    </dgm:varLst>
+    <dgm:choose name="Name1">
+      <dgm:if name="Name2" func="var" arg="dir" op="equ" val="norm">
+        <dgm:alg type="lin"/>
+      </dgm:if>
+      <dgm:else name="Name3">
+        <dgm:alg type="lin">
+          <dgm:param type="linDir" val="fromR"/>
+        </dgm:alg>
+      </dgm:else>
+    </dgm:choose>
+    <dgm:shape xmlns:r="http://schemas.openxmlformats.org/officeDocument/2006/relationships" r:blip="">
+      <dgm:adjLst/>
+    </dgm:shape>
+    <dgm:presOf/>
+    <dgm:choose name="Name4">
+      <dgm:if name="Name5" axis="des" func="maxDepth" op="gte" val="2">
+        <dgm:constrLst>
+          <dgm:constr type="h" for="ch" forName="composite" refType="h"/>
+          <dgm:constr type="w" for="ch" forName="composite" refType="w"/>
+          <dgm:constr type="w" for="des" forName="parTx"/>
+          <dgm:constr type="h" for="des" forName="parTx" op="equ"/>
+          <dgm:constr type="w" for="des" forName="desTx"/>
+          <dgm:constr type="h" for="des" forName="desTx" op="equ"/>
+          <dgm:constr type="primFontSz" for="des" forName="parTx" val="65"/>
+          <dgm:constr type="secFontSz" for="des" forName="desTx" refType="primFontSz" refFor="des" refForName="parTx" op="equ"/>
+          <dgm:constr type="h" for="des" forName="parTx" refType="primFontSz" refFor="des" refForName="parTx" fact="1.5"/>
+          <dgm:constr type="h" for="des" forName="desTx" refType="primFontSz" refFor="des" refForName="parTx" fact="0.5"/>
+          <dgm:constr type="w" for="ch" forName="space" op="equ" val="-6"/>
+        </dgm:constrLst>
+        <dgm:ruleLst>
+          <dgm:rule type="w" for="ch" forName="composite" val="0" fact="NaN" max="NaN"/>
+          <dgm:rule type="primFontSz" for="des" forName="parTx" val="5" fact="NaN" max="NaN"/>
+        </dgm:ruleLst>
+        <dgm:forEach name="Name6" axis="ch" ptType="node">
+          <dgm:layoutNode name="composite">
+            <dgm:alg type="composite"/>
+            <dgm:shape xmlns:r="http://schemas.openxmlformats.org/officeDocument/2006/relationships" r:blip="">
+              <dgm:adjLst/>
+            </dgm:shape>
+            <dgm:presOf/>
+            <dgm:choose name="Name7">
+              <dgm:if name="Name8" func="var" arg="dir" op="equ" val="norm">
+                <dgm:constrLst>
+                  <dgm:constr type="l" for="ch" forName="parTx"/>
+                  <dgm:constr type="w" for="ch" forName="parTx" refType="w"/>
+                  <dgm:constr type="t" for="ch" forName="parTx"/>
+                  <dgm:constr type="l" for="ch" forName="desTx"/>
+                  <dgm:constr type="w" for="ch" forName="desTx" refType="w" refFor="ch" refForName="parTx" fact="0.8"/>
+                  <dgm:constr type="t" for="ch" forName="desTx" refType="h" refFor="ch" refForName="parTx" fact="1.125"/>
+                </dgm:constrLst>
+              </dgm:if>
+              <dgm:else name="Name9">
+                <dgm:constrLst>
+                  <dgm:constr type="l" for="ch" forName="parTx"/>
+                  <dgm:constr type="w" for="ch" forName="parTx" refType="w"/>
+                  <dgm:constr type="t" for="ch" forName="parTx"/>
+                  <dgm:constr type="l" for="ch" forName="desTx" refType="w" fact="0.2"/>
+                  <dgm:constr type="w" for="ch" forName="desTx" refType="w" refFor="ch" refForName="parTx" fact="0.8"/>
+                  <dgm:constr type="t" for="ch" forName="desTx" refType="h" refFor="ch" refForName="parTx" fact="1.125"/>
+                </dgm:constrLst>
+              </dgm:else>
+            </dgm:choose>
+            <dgm:ruleLst>
+              <dgm:rule type="h" val="INF" fact="NaN" max="NaN"/>
+            </dgm:ruleLst>
+            <dgm:layoutNode name="parTx">
+              <dgm:varLst>
+                <dgm:chMax val="0"/>
+                <dgm:chPref val="0"/>
+                <dgm:bulletEnabled val="1"/>
+              </dgm:varLst>
+              <dgm:alg type="tx"/>
+              <dgm:choose name="Name10">
+                <dgm:if name="Name11" func="var" arg="dir" op="equ" val="norm">
+                  <dgm:shape xmlns:r="http://schemas.openxmlformats.org/officeDocument/2006/relationships" type="chevron" r:blip="">
+                    <dgm:adjLst/>
+                  </dgm:shape>
+                </dgm:if>
+                <dgm:else name="Name12">
+                  <dgm:shape xmlns:r="http://schemas.openxmlformats.org/officeDocument/2006/relationships" rot="180" type="chevron" r:blip="">
+                    <dgm:adjLst/>
+                  </dgm:shape>
+                </dgm:else>
+              </dgm:choose>
+              <dgm:presOf axis="self" ptType="node"/>
+              <dgm:choose name="Name13">
+                <dgm:if name="Name14" func="var" arg="dir" op="equ" val="norm">
+                  <dgm:constrLst>
+                    <dgm:constr type="h" refType="w" op="lte" fact="0.4"/>
+                    <dgm:constr type="h"/>
+                    <dgm:constr type="tMarg" refType="primFontSz" fact="0.105"/>
+                    <dgm:constr type="bMarg" refType="primFontSz" fact="0.105"/>
+                    <dgm:constr type="lMarg" refType="primFontSz" fact="0.315"/>
+                    <dgm:constr type="rMarg" refType="primFontSz" fact="0.105"/>
+                  </dgm:constrLst>
+                </dgm:if>
+                <dgm:else name="Name15">
+                  <dgm:constrLst>
+                    <dgm:constr type="h" refType="w" op="lte" fact="0.4"/>
+                    <dgm:constr type="h"/>
+                    <dgm:constr type="tMarg" refType="primFontSz" fact="0.105"/>
+                    <dgm:constr type="bMarg" refType="primFontSz" fact="0.105"/>
+                    <dgm:constr type="lMarg" refType="primFontSz" fact="0.105"/>
+                    <dgm:constr type="rMarg" refType="primFontSz" fact="0.315"/>
+                  </dgm:constrLst>
+                </dgm:else>
+              </dgm:choose>
+              <dgm:ruleLst>
+                <dgm:rule type="h" val="INF" fact="NaN" max="NaN"/>
+              </dgm:ruleLst>
+            </dgm:layoutNode>
+            <dgm:layoutNode name="desTx" styleLbl="revTx">
+              <dgm:varLst>
+                <dgm:bulletEnabled val="1"/>
+              </dgm:varLst>
+              <dgm:alg type="tx">
+                <dgm:param type="stBulletLvl" val="1"/>
+              </dgm:alg>
+              <dgm:choose name="Name16">
+                <dgm:if name="Name17" axis="ch" ptType="node" func="cnt" op="gte" val="1">
+                  <dgm:shape xmlns:r="http://schemas.openxmlformats.org/officeDocument/2006/relationships" type="rect" r:blip="">
+                    <dgm:adjLst/>
+                  </dgm:shape>
+                </dgm:if>
+                <dgm:else name="Name18">
+                  <dgm:shape xmlns:r="http://schemas.openxmlformats.org/officeDocument/2006/relationships" type="rect" r:blip="" hideGeom="1">
+                    <dgm:adjLst/>
+                  </dgm:shape>
+                </dgm:else>
+              </dgm:choose>
+              <dgm:presOf axis="des" ptType="node"/>
+              <dgm:constrLst>
+                <dgm:constr type="secFontSz" val="65"/>
+                <dgm:constr type="primFontSz" refType="secFontSz"/>
+                <dgm:constr type="h"/>
+                <dgm:constr type="tMarg"/>
+                <dgm:constr type="bMarg"/>
+                <dgm:constr type="rMarg"/>
+                <dgm:constr type="lMarg"/>
+              </dgm:constrLst>
+              <dgm:ruleLst>
+                <dgm:rule type="h" val="INF" fact="NaN" max="NaN"/>
+              </dgm:ruleLst>
+            </dgm:layoutNode>
+          </dgm:layoutNode>
+          <dgm:forEach name="Name19" axis="followSib" ptType="sibTrans" cnt="1">
+            <dgm:layoutNode name="space">
+              <dgm:alg type="sp"/>
+              <dgm:shape xmlns:r="http://schemas.openxmlformats.org/officeDocument/2006/relationships" r:blip="">
+                <dgm:adjLst/>
+              </dgm:shape>
+              <dgm:presOf/>
+              <dgm:constrLst/>
+              <dgm:ruleLst/>
+            </dgm:layoutNode>
+          </dgm:forEach>
+        </dgm:forEach>
+      </dgm:if>
+      <dgm:else name="Name20">
+        <dgm:constrLst>
+          <dgm:constr type="w" for="ch" forName="parTxOnly" refType="w"/>
+          <dgm:constr type="h" for="des" forName="parTxOnly" op="equ"/>
+          <dgm:constr type="primFontSz" for="des" forName="parTxOnly" op="equ" val="65"/>
+          <dgm:constr type="w" for="ch" forName="parTxOnlySpace" refType="w" refFor="ch" refForName="parTxOnly" fact="-0.1"/>
+        </dgm:constrLst>
+        <dgm:ruleLst/>
+        <dgm:forEach name="Name21" axis="ch" ptType="node">
+          <dgm:layoutNode name="parTxOnly">
+            <dgm:varLst>
+              <dgm:chMax val="0"/>
+              <dgm:chPref val="0"/>
+              <dgm:bulletEnabled val="1"/>
+            </dgm:varLst>
+            <dgm:alg type="tx"/>
+            <dgm:choose name="Name22">
+              <dgm:if name="Name23" func="var" arg="dir" op="equ" val="norm">
+                <dgm:shape xmlns:r="http://schemas.openxmlformats.org/officeDocument/2006/relationships" type="chevron" r:blip="">
+                  <dgm:adjLst/>
+                </dgm:shape>
+              </dgm:if>
+              <dgm:else name="Name24">
+                <dgm:shape xmlns:r="http://schemas.openxmlformats.org/officeDocument/2006/relationships" rot="180" type="chevron" r:blip="">
+                  <dgm:adjLst/>
+                </dgm:shape>
+              </dgm:else>
+            </dgm:choose>
+            <dgm:presOf axis="self" ptType="node"/>
+            <dgm:choose name="Name25">
+              <dgm:if name="Name26" func="var" arg="dir" op="equ" val="norm">
+                <dgm:constrLst>
+                  <dgm:constr type="h" refType="w" op="equ" fact="0.4"/>
+                  <dgm:constr type="tMarg" refType="primFontSz" fact="0.105"/>
+                  <dgm:constr type="bMarg" refType="primFontSz" fact="0.105"/>
+                  <dgm:constr type="lMarg" refType="primFontSz" fact="0.315"/>
+                  <dgm:constr type="rMarg" refType="primFontSz" fact="0.105"/>
+                </dgm:constrLst>
+              </dgm:if>
+              <dgm:else name="Name27">
+                <dgm:constrLst>
+                  <dgm:constr type="h" refType="w" op="equ" fact="0.4"/>
+                  <dgm:constr type="tMarg" refType="primFontSz" fact="0.105"/>
+                  <dgm:constr type="bMarg" refType="primFontSz" fact="0.105"/>
+                  <dgm:constr type="lMarg" refType="primFontSz" fact="0.105"/>
+                  <dgm:constr type="rMarg" refType="primFontSz" fact="0.315"/>
+                </dgm:constrLst>
+              </dgm:else>
+            </dgm:choose>
+            <dgm:ruleLst>
+              <dgm:rule type="primFontSz" val="5" fact="NaN" max="NaN"/>
+            </dgm:ruleLst>
+          </dgm:layoutNode>
+          <dgm:forEach name="Name28" axis="followSib" ptType="sibTrans" cnt="1">
+            <dgm:layoutNode name="parTxOnlySpace">
+              <dgm:alg type="sp"/>
+              <dgm:shape xmlns:r="http://schemas.openxmlformats.org/officeDocument/2006/relationships" r:blip="">
+                <dgm:adjLst/>
+              </dgm:shape>
+              <dgm:presOf/>
+              <dgm:constrLst/>
+              <dgm:ruleLst/>
+            </dgm:layoutNode>
+          </dgm:forEach>
+        </dgm:forEach>
+      </dgm:else>
+    </dgm:choose>
+  </dgm:layoutNode>
+</dgm:layoutDef>
+</file>
+
+<file path=ppt/diagrams/quickStyle1.xml><?xml version="1.0" encoding="utf-8"?>
+<dgm:styleDef xmlns:dgm="http://schemas.openxmlformats.org/drawingml/2006/diagram" xmlns:a="http://schemas.openxmlformats.org/drawingml/2006/main" uniqueId="urn:microsoft.com/office/officeart/2005/8/quickstyle/simple1">
+  <dgm:title val=""/>
+  <dgm:desc val=""/>
+  <dgm:catLst>
+    <dgm:cat type="simple" pri="10100"/>
+  </dgm:catLst>
+  <dgm:scene3d>
+    <a:camera prst="orthographicFront"/>
+    <a:lightRig rig="threePt" dir="t"/>
+  </dgm:scene3d>
+  <dgm:styleLbl name="node0">
+    <dgm:scene3d>
+      <a:camera prst="orthographicFront"/>
+      <a:lightRig rig="threePt" dir="t"/>
+    </dgm:scene3d>
+    <dgm:sp3d/>
+    <dgm:txPr/>
+    <dgm:style>
+      <a:lnRef idx="2">
+        <a:scrgbClr r="0" g="0" b="0"/>
+      </a:lnRef>
+      <a:fillRef idx="1">
+        <a:scrgbClr r="0" g="0" b="0"/>
+      </a:fillRef>
+      <a:effectRef idx="0">
+        <a:scrgbClr r="0" g="0" b="0"/>
+      </a:effectRef>
+      <a:fontRef idx="minor">
+        <a:schemeClr val="lt1"/>
+      </a:fontRef>
+    </dgm:style>
+  </dgm:styleLbl>
+  <dgm:styleLbl name="lnNode1">
+    <dgm:scene3d>
+      <a:camera prst="orthographicFront"/>
+      <a:lightRig rig="threePt" dir="t"/>
+    </dgm:scene3d>
+    <dgm:sp3d/>
+    <dgm:txPr/>
+    <dgm:style>
+      <a:lnRef idx="2">
+        <a:scrgbClr r="0" g="0" b="0"/>
+      </a:lnRef>
+      <a:fillRef idx="1">
+        <a:scrgbClr r="0" g="0" b="0"/>
+      </a:fillRef>
+      <a:effectRef idx="0">
+        <a:scrgbClr r="0" g="0" b="0"/>
+      </a:effectRef>
+      <a:fontRef idx="minor">
+        <a:schemeClr val="lt1"/>
+      </a:fontRef>
+    </dgm:style>
+  </dgm:styleLbl>
+  <dgm:styleLbl name="vennNode1">
+    <dgm:scene3d>
+      <a:camera prst="orthographicFront"/>
+      <a:lightRig rig="threePt" dir="t"/>
+    </dgm:scene3d>
+    <dgm:sp3d/>
+    <dgm:txPr/>
+    <dgm:style>
+      <a:lnRef idx="2">
+        <a:scrgbClr r="0" g="0" b="0"/>
+      </a:lnRef>
+      <a:fillRef idx="1">
+        <a:scrgbClr r="0" g="0" b="0"/>
+      </a:fillRef>
+      <a:effectRef idx="0">
+        <a:scrgbClr r="0" g="0" b="0"/>
+      </a:effectRef>
+      <a:fontRef idx="minor">
+        <a:schemeClr val="tx1"/>
+      </a:fontRef>
+    </dgm:style>
+  </dgm:styleLbl>
+  <dgm:styleLbl name="alignNode1">
+    <dgm:scene3d>
+      <a:camera prst="orthographicFront"/>
+      <a:lightRig rig="threePt" dir="t"/>
+    </dgm:scene3d>
+    <dgm:sp3d/>
+    <dgm:txPr/>
+    <dgm:style>
+      <a:lnRef idx="2">
+        <a:scrgbClr r="0" g="0" b="0"/>
+      </a:lnRef>
+      <a:fillRef idx="1">
+        <a:scrgbClr r="0" g="0" b="0"/>
+      </a:fillRef>
+      <a:effectRef idx="0">
+        <a:scrgbClr r="0" g="0" b="0"/>
+      </a:effectRef>
+      <a:fontRef idx="minor">
+        <a:schemeClr val="lt1"/>
+      </a:fontRef>
+    </dgm:style>
+  </dgm:styleLbl>
+  <dgm:styleLbl name="node1">
+    <dgm:scene3d>
+      <a:camera prst="orthographicFront"/>
+      <a:lightRig rig="threePt" dir="t"/>
+    </dgm:scene3d>
+    <dgm:sp3d/>
+    <dgm:txPr/>
+    <dgm:style>
+      <a:lnRef idx="2">
+        <a:scrgbClr r="0" g="0" b="0"/>
+      </a:lnRef>
+      <a:fillRef idx="1">
+        <a:scrgbClr r="0" g="0" b="0"/>
+      </a:fillRef>
+      <a:effectRef idx="0">
+        <a:scrgbClr r="0" g="0" b="0"/>
+      </a:effectRef>
+      <a:fontRef idx="minor">
+        <a:schemeClr val="lt1"/>
+      </a:fontRef>
+    </dgm:style>
+  </dgm:styleLbl>
+  <dgm:styleLbl name="node2">
+    <dgm:scene3d>
+      <a:camera prst="orthographicFront"/>
+      <a:lightRig rig="threePt" dir="t"/>
+    </dgm:scene3d>
+    <dgm:sp3d/>
+    <dgm:txPr/>
+    <dgm:style>
+      <a:lnRef idx="2">
+        <a:scrgbClr r="0" g="0" b="0"/>
+      </a:lnRef>
+      <a:fillRef idx="1">
+        <a:scrgbClr r="0" g="0" b="0"/>
+      </a:fillRef>
+      <a:effectRef idx="0">
+        <a:scrgbClr r="0" g="0" b="0"/>
+      </a:effectRef>
+      <a:fontRef idx="minor">
+        <a:schemeClr val="lt1"/>
+      </a:fontRef>
+    </dgm:style>
+  </dgm:styleLbl>
+  <dgm:styleLbl name="node3">
+    <dgm:scene3d>
+      <a:camera prst="orthographicFront"/>
+      <a:lightRig rig="threePt" dir="t"/>
+    </dgm:scene3d>
+    <dgm:sp3d/>
+    <dgm:txPr/>
+    <dgm:style>
+      <a:lnRef idx="2">
+        <a:scrgbClr r="0" g="0" b="0"/>
+      </a:lnRef>
+      <a:fillRef idx="1">
+        <a:scrgbClr r="0" g="0" b="0"/>
+      </a:fillRef>
+      <a:effectRef idx="0">
+        <a:scrgbClr r="0" g="0" b="0"/>
+      </a:effectRef>
+      <a:fontRef idx="minor">
+        <a:schemeClr val="lt1"/>
+      </a:fontRef>
+    </dgm:style>
+  </dgm:styleLbl>
+  <dgm:styleLbl name="node4">
+    <dgm:scene3d>
+      <a:camera prst="orthographicFront"/>
+      <a:lightRig rig="threePt" dir="t"/>
+    </dgm:scene3d>
+    <dgm:sp3d/>
+    <dgm:txPr/>
+    <dgm:style>
+      <a:lnRef idx="2">
+        <a:scrgbClr r="0" g="0" b="0"/>
+      </a:lnRef>
+      <a:fillRef idx="1">
+        <a:scrgbClr r="0" g="0" b="0"/>
+      </a:fillRef>
+      <a:effectRef idx="0">
+        <a:scrgbClr r="0" g="0" b="0"/>
+      </a:effectRef>
+      <a:fontRef idx="minor">
+        <a:schemeClr val="lt1"/>
+      </a:fontRef>
+    </dgm:style>
+  </dgm:styleLbl>
+  <dgm:styleLbl name="fgImgPlace1">
+    <dgm:scene3d>
+      <a:camera prst="orthographicFront"/>
+      <a:lightRig rig="threePt" dir="t"/>
+    </dgm:scene3d>
+    <dgm:sp3d/>
+    <dgm:txPr/>
+    <dgm:style>
+      <a:lnRef idx="2">
+        <a:scrgbClr r="0" g="0" b="0"/>
+      </a:lnRef>
+      <a:fillRef idx="1">
+        <a:scrgbClr r="0" g="0" b="0"/>
+      </a:fillRef>
+      <a:effectRef idx="0">
+        <a:scrgbClr r="0" g="0" b="0"/>
+      </a:effectRef>
+      <a:fontRef idx="minor"/>
+    </dgm:style>
+  </dgm:styleLbl>
+  <dgm:styleLbl name="alignImgPlace1">
+    <dgm:scene3d>
+      <a:camera prst="orthographicFront"/>
+      <a:lightRig rig="threePt" dir="t"/>
+    </dgm:scene3d>
+    <dgm:sp3d/>
+    <dgm:txPr/>
+    <dgm:style>
+      <a:lnRef idx="2">
+        <a:scrgbClr r="0" g="0" b="0"/>
+      </a:lnRef>
+      <a:fillRef idx="1">
+        <a:scrgbClr r="0" g="0" b="0"/>
+      </a:fillRef>
+      <a:effectRef idx="0">
+        <a:scrgbClr r="0" g="0" b="0"/>
+      </a:effectRef>
+      <a:fontRef idx="minor"/>
+    </dgm:style>
+  </dgm:styleLbl>
+  <dgm:styleLbl name="bgImgPlace1">
+    <dgm:scene3d>
+      <a:camera prst="orthographicFront"/>
+      <a:lightRig rig="threePt" dir="t"/>
+    </dgm:scene3d>
+    <dgm:sp3d/>
+    <dgm:txPr/>
+    <dgm:style>
+      <a:lnRef idx="2">
+        <a:scrgbClr r="0" g="0" b="0"/>
+      </a:lnRef>
+      <a:fillRef idx="1">
+        <a:scrgbClr r="0" g="0" b="0"/>
+      </a:fillRef>
+      <a:effectRef idx="0">
+        <a:scrgbClr r="0" g="0" b="0"/>
+      </a:effectRef>
+      <a:fontRef idx="minor"/>
+    </dgm:style>
+  </dgm:styleLbl>
+  <dgm:styleLbl name="sibTrans2D1">
+    <dgm:scene3d>
+      <a:camera prst="orthographicFront"/>
+      <a:lightRig rig="threePt" dir="t"/>
+    </dgm:scene3d>
+    <dgm:sp3d/>
+    <dgm:txPr/>
+    <dgm:style>
+      <a:lnRef idx="0">
+        <a:scrgbClr r="0" g="0" b="0"/>
+      </a:lnRef>
+      <a:fillRef idx="1">
+        <a:scrgbClr r="0" g="0" b="0"/>
+      </a:fillRef>
+      <a:effectRef idx="0">
+        <a:scrgbClr r="0" g="0" b="0"/>
+      </a:effectRef>
+      <a:fontRef idx="minor">
+        <a:schemeClr val="lt1"/>
+      </a:fontRef>
+    </dgm:style>
+  </dgm:styleLbl>
+  <dgm:styleLbl name="fgSibTrans2D1">
+    <dgm:scene3d>
+      <a:camera prst="orthographicFront"/>
+      <a:lightRig rig="threePt" dir="t"/>
+    </dgm:scene3d>
+    <dgm:sp3d/>
+    <dgm:txPr/>
+    <dgm:style>
+      <a:lnRef idx="0">
+        <a:scrgbClr r="0" g="0" b="0"/>
+      </a:lnRef>
+      <a:fillRef idx="1">
+        <a:scrgbClr r="0" g="0" b="0"/>
+      </a:fillRef>
+      <a:effectRef idx="0">
+        <a:scrgbClr r="0" g="0" b="0"/>
+      </a:effectRef>
+      <a:fontRef idx="minor">
+        <a:schemeClr val="lt1"/>
+      </a:fontRef>
+    </dgm:style>
+  </dgm:styleLbl>
+  <dgm:styleLbl name="bgSibTrans2D1">
+    <dgm:scene3d>
+      <a:camera prst="orthographicFront"/>
+      <a:lightRig rig="threePt" dir="t"/>
+    </dgm:scene3d>
+    <dgm:sp3d/>
+    <dgm:txPr/>
+    <dgm:style>
+      <a:lnRef idx="0">
+        <a:scrgbClr r="0" g="0" b="0"/>
+      </a:lnRef>
+      <a:fillRef idx="1">
+        <a:scrgbClr r="0" g="0" b="0"/>
+      </a:fillRef>
+      <a:effectRef idx="0">
+        <a:scrgbClr r="0" g="0" b="0"/>
+      </a:effectRef>
+      <a:fontRef idx="minor">
+        <a:schemeClr val="lt1"/>
+      </a:fontRef>
+    </dgm:style>
+  </dgm:styleLbl>
+  <dgm:styleLbl name="sibTrans1D1">
+    <dgm:scene3d>
+      <a:camera prst="orthographicFront"/>
+      <a:lightRig rig="threePt" dir="t"/>
+    </dgm:scene3d>
+    <dgm:sp3d/>
+    <dgm:txPr/>
+    <dgm:style>
+      <a:lnRef idx="1">
+        <a:scrgbClr r="0" g="0" b="0"/>
+      </a:lnRef>
+      <a:fillRef idx="0">
+        <a:scrgbClr r="0" g="0" b="0"/>
+      </a:fillRef>
+      <a:effectRef idx="0">
+        <a:scrgbClr r="0" g="0" b="0"/>
+      </a:effectRef>
+      <a:fontRef idx="minor"/>
+    </dgm:style>
+  </dgm:styleLbl>
+  <dgm:styleLbl name="callout">
+    <dgm:scene3d>
+      <a:camera prst="orthographicFront"/>
+      <a:lightRig rig="threePt" dir="t"/>
+    </dgm:scene3d>
+    <dgm:sp3d/>
+    <dgm:txPr/>
+    <dgm:style>
+      <a:lnRef idx="2">
+        <a:scrgbClr r="0" g="0" b="0"/>
+      </a:lnRef>
+      <a:fillRef idx="1">
+        <a:scrgbClr r="0" g="0" b="0"/>
+      </a:fillRef>
+      <a:effectRef idx="0">
+        <a:scrgbClr r="0" g="0" b="0"/>
+      </a:effectRef>
+      <a:fontRef idx="minor"/>
+    </dgm:style>
+  </dgm:styleLbl>
+  <dgm:styleLbl name="asst0">
+    <dgm:scene3d>
+      <a:camera prst="orthographicFront"/>
+      <a:lightRig rig="threePt" dir="t"/>
+    </dgm:scene3d>
+    <dgm:sp3d/>
+    <dgm:txPr/>
+    <dgm:style>
+      <a:lnRef idx="2">
+        <a:scrgbClr r="0" g="0" b="0"/>
+      </a:lnRef>
+      <a:fillRef idx="1">
+        <a:scrgbClr r="0" g="0" b="0"/>
+      </a:fillRef>
+      <a:effectRef idx="0">
+        <a:scrgbClr r="0" g="0" b="0"/>
+      </a:effectRef>
+      <a:fontRef idx="minor">
+        <a:schemeClr val="lt1"/>
+      </a:fontRef>
+    </dgm:style>
+  </dgm:styleLbl>
+  <dgm:styleLbl name="asst1">
+    <dgm:scene3d>
+      <a:camera prst="orthographicFront"/>
+      <a:lightRig rig="threePt" dir="t"/>
+    </dgm:scene3d>
+    <dgm:sp3d/>
+    <dgm:txPr/>
+    <dgm:style>
+      <a:lnRef idx="2">
+        <a:scrgbClr r="0" g="0" b="0"/>
+      </a:lnRef>
+      <a:fillRef idx="1">
+        <a:scrgbClr r="0" g="0" b="0"/>
+      </a:fillRef>
+      <a:effectRef idx="0">
+        <a:scrgbClr r="0" g="0" b="0"/>
+      </a:effectRef>
+      <a:fontRef idx="minor">
+        <a:schemeClr val="lt1"/>
+      </a:fontRef>
+    </dgm:style>
+  </dgm:styleLbl>
+  <dgm:styleLbl name="asst2">
+    <dgm:scene3d>
+      <a:camera prst="orthographicFront"/>
+      <a:lightRig rig="threePt" dir="t"/>
+    </dgm:scene3d>
+    <dgm:sp3d/>
+    <dgm:txPr/>
+    <dgm:style>
+      <a:lnRef idx="2">
+        <a:scrgbClr r="0" g="0" b="0"/>
+      </a:lnRef>
+      <a:fillRef idx="1">
+        <a:scrgbClr r="0" g="0" b="0"/>
+      </a:fillRef>
+      <a:effectRef idx="0">
+        <a:scrgbClr r="0" g="0" b="0"/>
+      </a:effectRef>
+      <a:fontRef idx="minor">
+        <a:schemeClr val="lt1"/>
+      </a:fontRef>
+    </dgm:style>
+  </dgm:styleLbl>
+  <dgm:styleLbl name="asst3">
+    <dgm:scene3d>
+      <a:camera prst="orthographicFront"/>
+      <a:lightRig rig="threePt" dir="t"/>
+    </dgm:scene3d>
+    <dgm:sp3d/>
+    <dgm:txPr/>
+    <dgm:style>
+      <a:lnRef idx="2">
+        <a:scrgbClr r="0" g="0" b="0"/>
+      </a:lnRef>
+      <a:fillRef idx="1">
+        <a:scrgbClr r="0" g="0" b="0"/>
+      </a:fillRef>
+      <a:effectRef idx="0">
+        <a:scrgbClr r="0" g="0" b="0"/>
+      </a:effectRef>
+      <a:fontRef idx="minor">
+        <a:schemeClr val="lt1"/>
+      </a:fontRef>
+    </dgm:style>
+  </dgm:styleLbl>
+  <dgm:styleLbl name="asst4">
+    <dgm:scene3d>
+      <a:camera prst="orthographicFront"/>
+      <a:lightRig rig="threePt" dir="t"/>
+    </dgm:scene3d>
+    <dgm:sp3d/>
+    <dgm:txPr/>
+    <dgm:style>
+      <a:lnRef idx="2">
+        <a:scrgbClr r="0" g="0" b="0"/>
+      </a:lnRef>
+      <a:fillRef idx="1">
+        <a:scrgbClr r="0" g="0" b="0"/>
+      </a:fillRef>
+      <a:effectRef idx="0">
+        <a:scrgbClr r="0" g="0" b="0"/>
+      </a:effectRef>
+      <a:fontRef idx="minor">
+        <a:schemeClr val="lt1"/>
+      </a:fontRef>
+    </dgm:style>
+  </dgm:styleLbl>
+  <dgm:styleLbl name="parChTrans2D1">
+    <dgm:scene3d>
+      <a:camera prst="orthographicFront"/>
+      <a:lightRig rig="threePt" dir="t"/>
+    </dgm:scene3d>
+    <dgm:sp3d/>
+    <dgm:txPr/>
+    <dgm:style>
+      <a:lnRef idx="2">
+        <a:scrgbClr r="0" g="0" b="0"/>
+      </a:lnRef>
+      <a:fillRef idx="1">
+        <a:scrgbClr r="0" g="0" b="0"/>
+      </a:fillRef>
+      <a:effectRef idx="0">
+        <a:scrgbClr r="0" g="0" b="0"/>
+      </a:effectRef>
+      <a:fontRef idx="minor">
+        <a:schemeClr val="lt1"/>
+      </a:fontRef>
+    </dgm:style>
+  </dgm:styleLbl>
+  <dgm:styleLbl name="parChTrans2D2">
+    <dgm:scene3d>
+      <a:camera prst="orthographicFront"/>
+      <a:lightRig rig="threePt" dir="t"/>
+    </dgm:scene3d>
+    <dgm:sp3d/>
+    <dgm:txPr/>
+    <dgm:style>
+      <a:lnRef idx="2">
+        <a:scrgbClr r="0" g="0" b="0"/>
+      </a:lnRef>
+      <a:fillRef idx="1">
+        <a:scrgbClr r="0" g="0" b="0"/>
+      </a:fillRef>
+      <a:effectRef idx="0">
+        <a:scrgbClr r="0" g="0" b="0"/>
+      </a:effectRef>
+      <a:fontRef idx="minor">
+        <a:schemeClr val="lt1"/>
+      </a:fontRef>
+    </dgm:style>
+  </dgm:styleLbl>
+  <dgm:styleLbl name="parChTrans2D3">
+    <dgm:scene3d>
+      <a:camera prst="orthographicFront"/>
+      <a:lightRig rig="threePt" dir="t"/>
+    </dgm:scene3d>
+    <dgm:sp3d/>
+    <dgm:txPr/>
+    <dgm:style>
+      <a:lnRef idx="2">
+        <a:scrgbClr r="0" g="0" b="0"/>
+      </a:lnRef>
+      <a:fillRef idx="1">
+        <a:scrgbClr r="0" g="0" b="0"/>
+      </a:fillRef>
+      <a:effectRef idx="0">
+        <a:scrgbClr r="0" g="0" b="0"/>
+      </a:effectRef>
+      <a:fontRef idx="minor">
+        <a:schemeClr val="lt1"/>
+      </a:fontRef>
+    </dgm:style>
+  </dgm:styleLbl>
+  <dgm:styleLbl name="parChTrans2D4">
+    <dgm:scene3d>
+      <a:camera prst="orthographicFront"/>
+      <a:lightRig rig="threePt" dir="t"/>
+    </dgm:scene3d>
+    <dgm:sp3d/>
+    <dgm:txPr/>
+    <dgm:style>
+      <a:lnRef idx="2">
+        <a:scrgbClr r="0" g="0" b="0"/>
+      </a:lnRef>
+      <a:fillRef idx="1">
+        <a:scrgbClr r="0" g="0" b="0"/>
+      </a:fillRef>
+      <a:effectRef idx="0">
+        <a:scrgbClr r="0" g="0" b="0"/>
+      </a:effectRef>
+      <a:fontRef idx="minor">
+        <a:schemeClr val="lt1"/>
+      </a:fontRef>
+    </dgm:style>
+  </dgm:styleLbl>
+  <dgm:styleLbl name="parChTrans1D1">
+    <dgm:scene3d>
+      <a:camera prst="orthographicFront"/>
+      <a:lightRig rig="threePt" dir="t"/>
+    </dgm:scene3d>
+    <dgm:sp3d/>
+    <dgm:txPr/>
+    <dgm:style>
+      <a:lnRef idx="2">
+        <a:scrgbClr r="0" g="0" b="0"/>
+      </a:lnRef>
+      <a:fillRef idx="0">
+        <a:scrgbClr r="0" g="0" b="0"/>
+      </a:fillRef>
+      <a:effectRef idx="0">
+        <a:scrgbClr r="0" g="0" b="0"/>
+      </a:effectRef>
+      <a:fontRef idx="minor"/>
+    </dgm:style>
+  </dgm:styleLbl>
+  <dgm:styleLbl name="parChTrans1D2">
+    <dgm:scene3d>
+      <a:camera prst="orthographicFront"/>
+      <a:lightRig rig="threePt" dir="t"/>
+    </dgm:scene3d>
+    <dgm:sp3d/>
+    <dgm:txPr/>
+    <dgm:style>
+      <a:lnRef idx="2">
+        <a:scrgbClr r="0" g="0" b="0"/>
+      </a:lnRef>
+      <a:fillRef idx="0">
+        <a:scrgbClr r="0" g="0" b="0"/>
+      </a:fillRef>
+      <a:effectRef idx="0">
+        <a:scrgbClr r="0" g="0" b="0"/>
+      </a:effectRef>
+      <a:fontRef idx="minor"/>
+    </dgm:style>
+  </dgm:styleLbl>
+  <dgm:styleLbl name="parChTrans1D3">
+    <dgm:scene3d>
+      <a:camera prst="orthographicFront"/>
+      <a:lightRig rig="threePt" dir="t"/>
+    </dgm:scene3d>
+    <dgm:sp3d/>
+    <dgm:txPr/>
+    <dgm:style>
+      <a:lnRef idx="2">
+        <a:scrgbClr r="0" g="0" b="0"/>
+      </a:lnRef>
+      <a:fillRef idx="0">
+        <a:scrgbClr r="0" g="0" b="0"/>
+      </a:fillRef>
+      <a:effectRef idx="0">
+        <a:scrgbClr r="0" g="0" b="0"/>
+      </a:effectRef>
+      <a:fontRef idx="minor"/>
+    </dgm:style>
+  </dgm:styleLbl>
+  <dgm:styleLbl name="parChTrans1D4">
+    <dgm:scene3d>
+      <a:camera prst="orthographicFront"/>
+      <a:lightRig rig="threePt" dir="t"/>
+    </dgm:scene3d>
+    <dgm:sp3d/>
+    <dgm:txPr/>
+    <dgm:style>
+      <a:lnRef idx="2">
+        <a:scrgbClr r="0" g="0" b="0"/>
+      </a:lnRef>
+      <a:fillRef idx="0">
+        <a:scrgbClr r="0" g="0" b="0"/>
+      </a:fillRef>
+      <a:effectRef idx="0">
+        <a:scrgbClr r="0" g="0" b="0"/>
+      </a:effectRef>
+      <a:fontRef idx="minor"/>
+    </dgm:style>
+  </dgm:styleLbl>
+  <dgm:styleLbl name="fgAcc1">
+    <dgm:scene3d>
+      <a:camera prst="orthographicFront"/>
+      <a:lightRig rig="threePt" dir="t"/>
+    </dgm:scene3d>
+    <dgm:sp3d/>
+    <dgm:txPr/>
+    <dgm:style>
+      <a:lnRef idx="2">
+        <a:scrgbClr r="0" g="0" b="0"/>
+      </a:lnRef>
+      <a:fillRef idx="1">
+        <a:scrgbClr r="0" g="0" b="0"/>
+      </a:fillRef>
+      <a:effectRef idx="0">
+        <a:scrgbClr r="0" g="0" b="0"/>
+      </a:effectRef>
+      <a:fontRef idx="minor"/>
+    </dgm:style>
+  </dgm:styleLbl>
+  <dgm:styleLbl name="conFgAcc1">
+    <dgm:scene3d>
+      <a:camera prst="orthographicFront"/>
+      <a:lightRig rig="threePt" dir="t"/>
+    </dgm:scene3d>
+    <dgm:sp3d/>
+    <dgm:txPr/>
+    <dgm:style>
+      <a:lnRef idx="2">
+        <a:scrgbClr r="0" g="0" b="0"/>
+      </a:lnRef>
+      <a:fillRef idx="1">
+        <a:scrgbClr r="0" g="0" b="0"/>
+      </a:fillRef>
+      <a:effectRef idx="0">
+        <a:scrgbClr r="0" g="0" b="0"/>
+      </a:effectRef>
+      <a:fontRef idx="minor"/>
+    </dgm:style>
+  </dgm:styleLbl>
+  <dgm:styleLbl name="alignAcc1">
+    <dgm:scene3d>
+      <a:camera prst="orthographicFront"/>
+      <a:lightRig rig="threePt" dir="t"/>
+    </dgm:scene3d>
+    <dgm:sp3d/>
+    <dgm:txPr/>
+    <dgm:style>
+      <a:lnRef idx="2">
+        <a:scrgbClr r="0" g="0" b="0"/>
+      </a:lnRef>
+      <a:fillRef idx="1">
+        <a:scrgbClr r="0" g="0" b="0"/>
+      </a:fillRef>
+      <a:effectRef idx="0">
+        <a:scrgbClr r="0" g="0" b="0"/>
+      </a:effectRef>
+      <a:fontRef idx="minor"/>
+    </dgm:style>
+  </dgm:styleLbl>
+  <dgm:styleLbl name="trAlignAcc1">
+    <dgm:scene3d>
+      <a:camera prst="orthographicFront"/>
+      <a:lightRig rig="threePt" dir="t"/>
+    </dgm:scene3d>
+    <dgm:sp3d/>
+    <dgm:txPr/>
+    <dgm:style>
+      <a:lnRef idx="1">
+        <a:scrgbClr r="0" g="0" b="0"/>
+      </a:lnRef>
+      <a:fillRef idx="1">
+        <a:scrgbClr r="0" g="0" b="0"/>
+      </a:fillRef>
+      <a:effectRef idx="0">
+        <a:scrgbClr r="0" g="0" b="0"/>
+      </a:effectRef>
+      <a:fontRef idx="minor"/>
+    </dgm:style>
+  </dgm:styleLbl>
+  <dgm:styleLbl name="bgAcc1">
+    <dgm:scene3d>
+      <a:camera prst="orthographicFront"/>
+      <a:lightRig rig="threePt" dir="t"/>
+    </dgm:scene3d>
+    <dgm:sp3d/>
+    <dgm:txPr/>
+    <dgm:style>
+      <a:lnRef idx="2">
+        <a:scrgbClr r="0" g="0" b="0"/>
+      </a:lnRef>
+      <a:fillRef idx="1">
+        <a:scrgbClr r="0" g="0" b="0"/>
+      </a:fillRef>
+      <a:effectRef idx="0">
+        <a:scrgbClr r="0" g="0" b="0"/>
+      </a:effectRef>
+      <a:fontRef idx="minor"/>
+    </dgm:style>
+  </dgm:styleLbl>
+  <dgm:styleLbl name="solidFgAcc1">
+    <dgm:scene3d>
+      <a:camera prst="orthographicFront"/>
+      <a:lightRig rig="threePt" dir="t"/>
+    </dgm:scene3d>
+    <dgm:sp3d/>
+    <dgm:txPr/>
+    <dgm:style>
+      <a:lnRef idx="2">
+        <a:scrgbClr r="0" g="0" b="0"/>
+      </a:lnRef>
+      <a:fillRef idx="1">
+        <a:scrgbClr r="0" g="0" b="0"/>
+      </a:fillRef>
+      <a:effectRef idx="0">
+        <a:scrgbClr r="0" g="0" b="0"/>
+      </a:effectRef>
+      <a:fontRef idx="minor"/>
+    </dgm:style>
+  </dgm:styleLbl>
+  <dgm:styleLbl name="solidAlignAcc1">
+    <dgm:scene3d>
+      <a:camera prst="orthographicFront"/>
+      <a:lightRig rig="threePt" dir="t"/>
+    </dgm:scene3d>
+    <dgm:sp3d/>
+    <dgm:txPr/>
+    <dgm:style>
+      <a:lnRef idx="2">
+        <a:scrgbClr r="0" g="0" b="0"/>
+      </a:lnRef>
+      <a:fillRef idx="1">
+        <a:scrgbClr r="0" g="0" b="0"/>
+      </a:fillRef>
+      <a:effectRef idx="0">
+        <a:scrgbClr r="0" g="0" b="0"/>
+      </a:effectRef>
+      <a:fontRef idx="minor"/>
+    </dgm:style>
+  </dgm:styleLbl>
+  <dgm:styleLbl name="solidBgAcc1">
+    <dgm:scene3d>
+      <a:camera prst="orthographicFront"/>
+      <a:lightRig rig="threePt" dir="t"/>
+    </dgm:scene3d>
+    <dgm:sp3d/>
+    <dgm:txPr/>
+    <dgm:style>
+      <a:lnRef idx="2">
+        <a:scrgbClr r="0" g="0" b="0"/>
+      </a:lnRef>
+      <a:fillRef idx="1">
+        <a:scrgbClr r="0" g="0" b="0"/>
+      </a:fillRef>
+      <a:effectRef idx="0">
+        <a:scrgbClr r="0" g="0" b="0"/>
+      </a:effectRef>
+      <a:fontRef idx="minor"/>
+    </dgm:style>
+  </dgm:styleLbl>
+  <dgm:styleLbl name="fgAccFollowNode1">
+    <dgm:scene3d>
+      <a:camera prst="orthographicFront"/>
+      <a:lightRig rig="threePt" dir="t"/>
+    </dgm:scene3d>
+    <dgm:sp3d/>
+    <dgm:txPr/>
+    <dgm:style>
+      <a:lnRef idx="2">
+        <a:scrgbClr r="0" g="0" b="0"/>
+      </a:lnRef>
+      <a:fillRef idx="1">
+        <a:scrgbClr r="0" g="0" b="0"/>
+      </a:fillRef>
+      <a:effectRef idx="0">
+        <a:scrgbClr r="0" g="0" b="0"/>
+      </a:effectRef>
+      <a:fontRef idx="minor"/>
+    </dgm:style>
+  </dgm:styleLbl>
+  <dgm:styleLbl name="alignAccFollowNode1">
+    <dgm:scene3d>
+      <a:camera prst="orthographicFront"/>
+      <a:lightRig rig="threePt" dir="t"/>
+    </dgm:scene3d>
+    <dgm:sp3d/>
+    <dgm:txPr/>
+    <dgm:style>
+      <a:lnRef idx="2">
+        <a:scrgbClr r="0" g="0" b="0"/>
+      </a:lnRef>
+      <a:fillRef idx="1">
+        <a:scrgbClr r="0" g="0" b="0"/>
+      </a:fillRef>
+      <a:effectRef idx="0">
+        <a:scrgbClr r="0" g="0" b="0"/>
+      </a:effectRef>
+      <a:fontRef idx="minor"/>
+    </dgm:style>
+  </dgm:styleLbl>
+  <dgm:styleLbl name="bgAccFollowNode1">
+    <dgm:scene3d>
+      <a:camera prst="orthographicFront"/>
+      <a:lightRig rig="threePt" dir="t"/>
+    </dgm:scene3d>
+    <dgm:sp3d/>
+    <dgm:txPr/>
+    <dgm:style>
+      <a:lnRef idx="2">
+        <a:scrgbClr r="0" g="0" b="0"/>
+      </a:lnRef>
+      <a:fillRef idx="1">
+        <a:scrgbClr r="0" g="0" b="0"/>
+      </a:fillRef>
+      <a:effectRef idx="0">
+        <a:scrgbClr r="0" g="0" b="0"/>
+      </a:effectRef>
+      <a:fontRef idx="minor"/>
+    </dgm:style>
+  </dgm:styleLbl>
+  <dgm:styleLbl name="fgAcc0">
+    <dgm:scene3d>
+      <a:camera prst="orthographicFront"/>
+      <a:lightRig rig="threePt" dir="t"/>
+    </dgm:scene3d>
+    <dgm:sp3d/>
+    <dgm:txPr/>
+    <dgm:style>
+      <a:lnRef idx="2">
+        <a:scrgbClr r="0" g="0" b="0"/>
+      </a:lnRef>
+      <a:fillRef idx="1">
+        <a:scrgbClr r="0" g="0" b="0"/>
+      </a:fillRef>
+      <a:effectRef idx="0">
+        <a:scrgbClr r="0" g="0" b="0"/>
+      </a:effectRef>
+      <a:fontRef idx="minor"/>
+    </dgm:style>
+  </dgm:styleLbl>
+  <dgm:styleLbl name="fgAcc2">
+    <dgm:scene3d>
+      <a:camera prst="orthographicFront"/>
+      <a:lightRig rig="threePt" dir="t"/>
+    </dgm:scene3d>
+    <dgm:sp3d/>
+    <dgm:txPr/>
+    <dgm:style>
+      <a:lnRef idx="2">
+        <a:scrgbClr r="0" g="0" b="0"/>
+      </a:lnRef>
+      <a:fillRef idx="1">
+        <a:scrgbClr r="0" g="0" b="0"/>
+      </a:fillRef>
+      <a:effectRef idx="0">
+        <a:scrgbClr r="0" g="0" b="0"/>
+      </a:effectRef>
+      <a:fontRef idx="minor"/>
+    </dgm:style>
+  </dgm:styleLbl>
+  <dgm:styleLbl name="fgAcc3">
+    <dgm:scene3d>
+      <a:camera prst="orthographicFront"/>
+      <a:lightRig rig="threePt" dir="t"/>
+    </dgm:scene3d>
+    <dgm:sp3d/>
+    <dgm:txPr/>
+    <dgm:style>
+      <a:lnRef idx="2">
+        <a:scrgbClr r="0" g="0" b="0"/>
+      </a:lnRef>
+      <a:fillRef idx="1">
+        <a:scrgbClr r="0" g="0" b="0"/>
+      </a:fillRef>
+      <a:effectRef idx="0">
+        <a:scrgbClr r="0" g="0" b="0"/>
+      </a:effectRef>
+      <a:fontRef idx="minor"/>
+    </dgm:style>
+  </dgm:styleLbl>
+  <dgm:styleLbl name="fgAcc4">
+    <dgm:scene3d>
+      <a:camera prst="orthographicFront"/>
+      <a:lightRig rig="threePt" dir="t"/>
+    </dgm:scene3d>
+    <dgm:sp3d/>
+    <dgm:txPr/>
+    <dgm:style>
+      <a:lnRef idx="2">
+        <a:scrgbClr r="0" g="0" b="0"/>
+      </a:lnRef>
+      <a:fillRef idx="1">
+        <a:scrgbClr r="0" g="0" b="0"/>
+      </a:fillRef>
+      <a:effectRef idx="0">
+        <a:scrgbClr r="0" g="0" b="0"/>
+      </a:effectRef>
+      <a:fontRef idx="minor"/>
+    </dgm:style>
+  </dgm:styleLbl>
+  <dgm:styleLbl name="bgShp">
+    <dgm:scene3d>
+      <a:camera prst="orthographicFront"/>
+      <a:lightRig rig="threePt" dir="t"/>
+    </dgm:scene3d>
+    <dgm:sp3d/>
+    <dgm:txPr/>
+    <dgm:style>
+      <a:lnRef idx="0">
+        <a:scrgbClr r="0" g="0" b="0"/>
+      </a:lnRef>
+      <a:fillRef idx="1">
+        <a:scrgbClr r="0" g="0" b="0"/>
+      </a:fillRef>
+      <a:effectRef idx="0">
+        <a:scrgbClr r="0" g="0" b="0"/>
+      </a:effectRef>
+      <a:fontRef idx="minor"/>
+    </dgm:style>
+  </dgm:styleLbl>
+  <dgm:styleLbl name="dkBgShp">
+    <dgm:scene3d>
+      <a:camera prst="orthographicFront"/>
+      <a:lightRig rig="threePt" dir="t"/>
+    </dgm:scene3d>
+    <dgm:sp3d/>
+    <dgm:txPr/>
+    <dgm:style>
+      <a:lnRef idx="0">
+        <a:scrgbClr r="0" g="0" b="0"/>
+      </a:lnRef>
+      <a:fillRef idx="1">
+        <a:scrgbClr r="0" g="0" b="0"/>
+      </a:fillRef>
+      <a:effectRef idx="0">
+        <a:scrgbClr r="0" g="0" b="0"/>
+      </a:effectRef>
+      <a:fontRef idx="minor"/>
+    </dgm:style>
+  </dgm:styleLbl>
+  <dgm:styleLbl name="trBgShp">
+    <dgm:scene3d>
+      <a:camera prst="orthographicFront"/>
+      <a:lightRig rig="threePt" dir="t"/>
+    </dgm:scene3d>
+    <dgm:sp3d/>
+    <dgm:txPr/>
+    <dgm:style>
+      <a:lnRef idx="0">
+        <a:scrgbClr r="0" g="0" b="0"/>
+      </a:lnRef>
+      <a:fillRef idx="1">
+        <a:scrgbClr r="0" g="0" b="0"/>
+      </a:fillRef>
+      <a:effectRef idx="0">
+        <a:scrgbClr r="0" g="0" b="0"/>
+      </a:effectRef>
+      <a:fontRef idx="minor"/>
+    </dgm:style>
+  </dgm:styleLbl>
+  <dgm:styleLbl name="fgShp">
+    <dgm:scene3d>
+      <a:camera prst="orthographicFront"/>
+      <a:lightRig rig="threePt" dir="t"/>
+    </dgm:scene3d>
+    <dgm:sp3d/>
+    <dgm:txPr/>
+    <dgm:style>
+      <a:lnRef idx="2">
+        <a:scrgbClr r="0" g="0" b="0"/>
+      </a:lnRef>
+      <a:fillRef idx="1">
+        <a:scrgbClr r="0" g="0" b="0"/>
+      </a:fillRef>
+      <a:effectRef idx="0">
+        <a:scrgbClr r="0" g="0" b="0"/>
+      </a:effectRef>
+      <a:fontRef idx="minor"/>
+    </dgm:style>
+  </dgm:styleLbl>
+  <dgm:styleLbl name="revTx">
+    <dgm:scene3d>
+      <a:camera prst="orthographicFront"/>
+      <a:lightRig rig="threePt" dir="t"/>
+    </dgm:scene3d>
+    <dgm:sp3d/>
+    <dgm:txPr/>
+    <dgm:style>
+      <a:lnRef idx="0">
+        <a:scrgbClr r="0" g="0" b="0"/>
+      </a:lnRef>
+      <a:fillRef idx="0">
+        <a:scrgbClr r="0" g="0" b="0"/>
+      </a:fillRef>
+      <a:effectRef idx="0">
+        <a:scrgbClr r="0" g="0" b="0"/>
+      </a:effectRef>
+      <a:fontRef idx="minor"/>
+    </dgm:style>
+  </dgm:styleLbl>
+</dgm:styleDef>
 </file>
 
 <file path=ppt/slideLayouts/slideLayout1.xml><?xml version="1.0" encoding="utf-8"?>
@@ -4068,42 +6699,42 @@
   <p:extLst mod="1">
     <p:ext uri="{27BBF7A9-308A-43DC-89C8-2F10F3537804}">
       <p15:sldGuideLst xmlns:p15="http://schemas.microsoft.com/office/powerpoint/2012/main">
-        <p15:guide id="4294967295" orient="horz" pos="1368">
+        <p15:guide id="1" orient="horz" pos="1368">
           <p15:clr>
             <a:srgbClr val="F26B43"/>
           </p15:clr>
         </p15:guide>
-        <p15:guide id="4294967295" orient="horz" pos="1440">
+        <p15:guide id="2" orient="horz" pos="1440">
           <p15:clr>
             <a:srgbClr val="F26B43"/>
           </p15:clr>
         </p15:guide>
-        <p15:guide id="4294967295" orient="horz" pos="3696">
+        <p15:guide id="3" orient="horz" pos="3696">
           <p15:clr>
             <a:srgbClr val="F26B43"/>
           </p15:clr>
         </p15:guide>
-        <p15:guide id="4294967295" orient="horz" pos="432">
+        <p15:guide id="4" orient="horz" pos="432">
           <p15:clr>
             <a:srgbClr val="F26B43"/>
           </p15:clr>
         </p15:guide>
-        <p15:guide id="4294967295" orient="horz" pos="1512">
+        <p15:guide id="5" orient="horz" pos="1512">
           <p15:clr>
             <a:srgbClr val="F26B43"/>
           </p15:clr>
         </p15:guide>
-        <p15:guide id="4294967295" pos="6912">
+        <p15:guide id="6" pos="6912">
           <p15:clr>
             <a:srgbClr val="F26B43"/>
           </p15:clr>
         </p15:guide>
-        <p15:guide id="4294967295" pos="936">
+        <p15:guide id="7" pos="936">
           <p15:clr>
             <a:srgbClr val="F26B43"/>
           </p15:clr>
         </p15:guide>
-        <p15:guide id="4294967295" pos="864">
+        <p15:guide id="8" pos="864">
           <p15:clr>
             <a:srgbClr val="F26B43"/>
           </p15:clr>
@@ -4138,90 +6769,30 @@
             <a:spLocks noGrp="1"/>
           </p:cNvSpPr>
           <p:nvPr>
-            <p:ph type="ctrTitle"/>
+            <p:ph type="title"/>
           </p:nvPr>
         </p:nvSpPr>
-        <p:spPr/>
+        <p:spPr>
+          <a:xfrm>
+            <a:off x="1371600" y="1392936"/>
+            <a:ext cx="9601200" cy="1485900"/>
+          </a:xfrm>
+        </p:spPr>
         <p:txBody>
           <a:bodyPr/>
           <a:lstStyle/>
           <a:p>
-            <a:endParaRPr kumimoji="1" lang="ja-JP" altLang="en-US"/>
-          </a:p>
-        </p:txBody>
-      </p:sp>
-      <p:sp>
-        <p:nvSpPr>
-          <p:cNvPr id="3" name="サブタイトル 2"/>
-          <p:cNvSpPr>
-            <a:spLocks noGrp="1"/>
-          </p:cNvSpPr>
-          <p:nvPr>
-            <p:ph type="subTitle" idx="1"/>
-          </p:nvPr>
-        </p:nvSpPr>
-        <p:spPr/>
-        <p:txBody>
-          <a:bodyPr/>
-          <a:lstStyle/>
-          <a:p>
-            <a:endParaRPr kumimoji="1" lang="ja-JP" altLang="en-US"/>
-          </a:p>
-        </p:txBody>
-      </p:sp>
-    </p:spTree>
-    <p:extLst>
-      <p:ext uri="{BB962C8B-B14F-4D97-AF65-F5344CB8AC3E}">
-        <p14:creationId xmlns:p14="http://schemas.microsoft.com/office/powerpoint/2010/main" val="3127671948"/>
-      </p:ext>
-    </p:extLst>
-  </p:cSld>
-  <p:clrMapOvr>
-    <a:masterClrMapping/>
-  </p:clrMapOvr>
-</p:sld>
-</file>
-
-<file path=ppt/slides/slide2.xml><?xml version="1.0" encoding="utf-8"?>
-<p:sld xmlns:a="http://schemas.openxmlformats.org/drawingml/2006/main" xmlns:r="http://schemas.openxmlformats.org/officeDocument/2006/relationships" xmlns:p="http://schemas.openxmlformats.org/presentationml/2006/main">
-  <p:cSld>
-    <p:spTree>
-      <p:nvGrpSpPr>
-        <p:cNvPr id="1" name=""/>
-        <p:cNvGrpSpPr/>
-        <p:nvPr/>
-      </p:nvGrpSpPr>
-      <p:grpSpPr>
-        <a:xfrm>
-          <a:off x="0" y="0"/>
-          <a:ext cx="0" cy="0"/>
-          <a:chOff x="0" y="0"/>
-          <a:chExt cx="0" cy="0"/>
-        </a:xfrm>
-      </p:grpSpPr>
-      <p:sp>
-        <p:nvSpPr>
-          <p:cNvPr id="2" name="タイトル 1"/>
-          <p:cNvSpPr>
-            <a:spLocks noGrp="1"/>
-          </p:cNvSpPr>
-          <p:nvPr>
-            <p:ph type="title"/>
-          </p:nvPr>
-        </p:nvSpPr>
-        <p:spPr/>
-        <p:txBody>
-          <a:bodyPr/>
-          <a:lstStyle/>
-          <a:p>
             <a:r>
               <a:rPr lang="ja-JP" altLang="en-US" dirty="0" smtClean="0"/>
-              <a:t>ゴール</a:t>
-            </a:r>
-            <a:r>
-              <a:rPr lang="ja-JP" altLang="en-US" dirty="0"/>
-              <a:t>確認</a:t>
-            </a:r>
+              <a:t>まとめ</a:t>
+            </a:r>
+            <a:r>
+              <a:rPr lang="en-US" altLang="ja-JP" dirty="0" smtClean="0"/>
+              <a:t/>
+            </a:r>
+            <a:br>
+              <a:rPr lang="en-US" altLang="ja-JP" dirty="0" smtClean="0"/>
+            </a:br>
             <a:endParaRPr kumimoji="1" lang="ja-JP" altLang="en-US" dirty="0"/>
           </a:p>
         </p:txBody>
@@ -4236,96 +6807,12 @@
             <p:ph idx="1"/>
           </p:nvPr>
         </p:nvSpPr>
-        <p:spPr/>
-        <p:txBody>
-          <a:bodyPr/>
-          <a:lstStyle/>
-          <a:p>
-            <a:r>
-              <a:rPr kumimoji="1" lang="ja-JP" altLang="en-US" dirty="0" smtClean="0"/>
-              <a:t>世の中の上司が好む部下像はつかめましたか？</a:t>
-            </a:r>
-            <a:endParaRPr kumimoji="1" lang="en-US" altLang="ja-JP" dirty="0" smtClean="0"/>
-          </a:p>
-          <a:p>
-            <a:endParaRPr lang="en-US" altLang="ja-JP" dirty="0"/>
-          </a:p>
-          <a:p>
-            <a:endParaRPr kumimoji="1" lang="ja-JP" altLang="en-US" dirty="0"/>
-          </a:p>
-        </p:txBody>
-      </p:sp>
-    </p:spTree>
-    <p:extLst>
-      <p:ext uri="{BB962C8B-B14F-4D97-AF65-F5344CB8AC3E}">
-        <p14:creationId xmlns:p14="http://schemas.microsoft.com/office/powerpoint/2010/main" val="1609537974"/>
-      </p:ext>
-    </p:extLst>
-  </p:cSld>
-  <p:clrMapOvr>
-    <a:masterClrMapping/>
-  </p:clrMapOvr>
-  <p:timing>
-    <p:tnLst>
-      <p:par>
-        <p:cTn id="1" dur="indefinite" restart="never" nodeType="tmRoot"/>
-      </p:par>
-    </p:tnLst>
-  </p:timing>
-</p:sld>
-</file>
-
-<file path=ppt/slides/slide3.xml><?xml version="1.0" encoding="utf-8"?>
-<p:sld xmlns:a="http://schemas.openxmlformats.org/drawingml/2006/main" xmlns:r="http://schemas.openxmlformats.org/officeDocument/2006/relationships" xmlns:p="http://schemas.openxmlformats.org/presentationml/2006/main">
-  <p:cSld>
-    <p:spTree>
-      <p:nvGrpSpPr>
-        <p:cNvPr id="1" name=""/>
-        <p:cNvGrpSpPr/>
-        <p:nvPr/>
-      </p:nvGrpSpPr>
-      <p:grpSpPr>
-        <a:xfrm>
-          <a:off x="0" y="0"/>
-          <a:ext cx="0" cy="0"/>
-          <a:chOff x="0" y="0"/>
-          <a:chExt cx="0" cy="0"/>
-        </a:xfrm>
-      </p:grpSpPr>
-      <p:sp>
-        <p:nvSpPr>
-          <p:cNvPr id="2" name="タイトル 1"/>
-          <p:cNvSpPr>
-            <a:spLocks noGrp="1"/>
-          </p:cNvSpPr>
-          <p:nvPr>
-            <p:ph type="title"/>
-          </p:nvPr>
-        </p:nvSpPr>
-        <p:spPr/>
-        <p:txBody>
-          <a:bodyPr/>
-          <a:lstStyle/>
-          <a:p>
-            <a:r>
-              <a:rPr kumimoji="1" lang="ja-JP" altLang="en-US" dirty="0" smtClean="0"/>
-              <a:t>大事なこと</a:t>
-            </a:r>
-            <a:endParaRPr kumimoji="1" lang="ja-JP" altLang="en-US" dirty="0"/>
-          </a:p>
-        </p:txBody>
-      </p:sp>
-      <p:sp>
-        <p:nvSpPr>
-          <p:cNvPr id="3" name="コンテンツ プレースホルダー 2"/>
-          <p:cNvSpPr>
-            <a:spLocks noGrp="1"/>
-          </p:cNvSpPr>
-          <p:nvPr>
-            <p:ph idx="1"/>
-          </p:nvPr>
-        </p:nvSpPr>
-        <p:spPr/>
+        <p:spPr>
+          <a:xfrm>
+            <a:off x="1371600" y="2602992"/>
+            <a:ext cx="9601200" cy="3581400"/>
+          </a:xfrm>
+        </p:spPr>
         <p:txBody>
           <a:bodyPr>
             <a:normAutofit/>
@@ -4333,37 +6820,34 @@
           <a:lstStyle/>
           <a:p>
             <a:r>
-              <a:rPr lang="ja-JP" altLang="en-US" sz="2400" dirty="0"/>
-              <a:t>嫌</a:t>
-            </a:r>
-            <a:r>
               <a:rPr lang="ja-JP" altLang="en-US" sz="2400" dirty="0" smtClean="0"/>
-              <a:t>いな部下の特徴は、おそらく皆さんが部下を持った時にも同じ感情を</a:t>
-            </a:r>
-            <a:r>
-              <a:rPr lang="ja-JP" altLang="en-US" sz="2400" smtClean="0"/>
-              <a:t>抱くはず（常識の範囲内）</a:t>
+              <a:t>上司のよって観点は様々</a:t>
             </a:r>
             <a:endParaRPr lang="en-US" altLang="ja-JP" sz="2400" dirty="0" smtClean="0"/>
           </a:p>
           <a:p>
+            <a:endParaRPr lang="en-US" altLang="ja-JP" sz="2400" dirty="0" smtClean="0"/>
+          </a:p>
+          <a:p>
+            <a:r>
+              <a:rPr lang="ja-JP" altLang="en-US" sz="2400" dirty="0" smtClean="0"/>
+              <a:t>上司が部下を見るポイントはスキル面ではなく、メンたる面</a:t>
+            </a:r>
+            <a:endParaRPr lang="en-US" altLang="ja-JP" sz="2400" dirty="0" smtClean="0"/>
+          </a:p>
+          <a:p>
+            <a:pPr marL="0" indent="0">
+              <a:buNone/>
+            </a:pPr>
             <a:endParaRPr lang="en-US" altLang="ja-JP" sz="2400" dirty="0"/>
           </a:p>
           <a:p>
-            <a:r>
-              <a:rPr lang="ja-JP" altLang="en-US" sz="2400" dirty="0"/>
-              <a:t>嘘</a:t>
-            </a:r>
-            <a:r>
-              <a:rPr lang="ja-JP" altLang="en-US" sz="2400" dirty="0" smtClean="0"/>
-              <a:t>をつかず、正直に努力を重ねる人は必ず上司にも好かれる</a:t>
-            </a:r>
-            <a:endParaRPr lang="en-US" altLang="ja-JP" sz="2400" dirty="0"/>
-          </a:p>
-          <a:p>
             <a:endParaRPr lang="en-US" altLang="ja-JP" sz="2400" dirty="0" smtClean="0"/>
           </a:p>
           <a:p>
+            <a:pPr marL="0" indent="0">
+              <a:buNone/>
+            </a:pPr>
             <a:endParaRPr lang="en-US" altLang="ja-JP" sz="2400" dirty="0"/>
           </a:p>
         </p:txBody>
@@ -4376,7 +6860,7 @@
         </p:nvSpPr>
         <p:spPr>
           <a:xfrm>
-            <a:off x="1475232" y="5159514"/>
+            <a:off x="1371600" y="5622810"/>
             <a:ext cx="10200228" cy="707886"/>
           </a:xfrm>
           <a:prstGeom prst="rect">
@@ -4406,6 +6890,28 @@
           </a:p>
         </p:txBody>
       </p:sp>
+      <p:graphicFrame>
+        <p:nvGraphicFramePr>
+          <p:cNvPr id="4" name="図表 3"/>
+          <p:cNvGraphicFramePr/>
+          <p:nvPr>
+            <p:extLst>
+              <p:ext uri="{D42A27DB-BD31-4B8C-83A1-F6EECF244321}">
+                <p14:modId xmlns:p14="http://schemas.microsoft.com/office/powerpoint/2010/main" val="302172402"/>
+              </p:ext>
+            </p:extLst>
+          </p:nvPr>
+        </p:nvGraphicFramePr>
+        <p:xfrm>
+          <a:off x="1371600" y="22860"/>
+          <a:ext cx="10040112" cy="964692"/>
+        </p:xfrm>
+        <a:graphic>
+          <a:graphicData uri="http://schemas.openxmlformats.org/drawingml/2006/diagram">
+            <dgm:relIds xmlns:dgm="http://schemas.openxmlformats.org/drawingml/2006/diagram" xmlns:r="http://schemas.openxmlformats.org/officeDocument/2006/relationships" r:dm="rId2" r:lo="rId3" r:qs="rId4" r:cs="rId5"/>
+          </a:graphicData>
+        </a:graphic>
+      </p:graphicFrame>
     </p:spTree>
     <p:extLst>
       <p:ext uri="{BB962C8B-B14F-4D97-AF65-F5344CB8AC3E}">
